--- a/ppt/java_ppt/11장-인터페이스.pptx
+++ b/ppt/java_ppt/11장-인터페이스.pptx
@@ -5,7 +5,7 @@
     <p:sldMasterId id="2147483648" r:id="rId1"/>
   </p:sldMasterIdLst>
   <p:notesMasterIdLst>
-    <p:notesMasterId r:id="rId45"/>
+    <p:notesMasterId r:id="rId47"/>
   </p:notesMasterIdLst>
   <p:sldIdLst>
     <p:sldId id="256" r:id="rId2"/>
@@ -42,15 +42,17 @@
     <p:sldId id="403" r:id="rId33"/>
     <p:sldId id="402" r:id="rId34"/>
     <p:sldId id="404" r:id="rId35"/>
-    <p:sldId id="405" r:id="rId36"/>
-    <p:sldId id="374" r:id="rId37"/>
-    <p:sldId id="417" r:id="rId38"/>
-    <p:sldId id="369" r:id="rId39"/>
-    <p:sldId id="415" r:id="rId40"/>
-    <p:sldId id="370" r:id="rId41"/>
-    <p:sldId id="385" r:id="rId42"/>
-    <p:sldId id="371" r:id="rId43"/>
-    <p:sldId id="375" r:id="rId44"/>
+    <p:sldId id="430" r:id="rId36"/>
+    <p:sldId id="405" r:id="rId37"/>
+    <p:sldId id="374" r:id="rId38"/>
+    <p:sldId id="417" r:id="rId39"/>
+    <p:sldId id="369" r:id="rId40"/>
+    <p:sldId id="431" r:id="rId41"/>
+    <p:sldId id="415" r:id="rId42"/>
+    <p:sldId id="370" r:id="rId43"/>
+    <p:sldId id="385" r:id="rId44"/>
+    <p:sldId id="371" r:id="rId45"/>
+    <p:sldId id="375" r:id="rId46"/>
   </p:sldIdLst>
   <p:sldSz cx="9906000" cy="6858000" type="A4"/>
   <p:notesSz cx="6858000" cy="9144000"/>
@@ -250,7 +252,7 @@
           <a:p>
             <a:fld id="{7665CDAC-D627-4E87-877A-1B781DD4CADC}" type="datetimeFigureOut">
               <a:rPr lang="ko-KR" altLang="en-US" smtClean="0"/>
-              <a:t>2023-05-24</a:t>
+              <a:t>2023-05-31</a:t>
             </a:fld>
             <a:endParaRPr lang="ko-KR" altLang="en-US"/>
           </a:p>
@@ -788,7 +790,7 @@
           <a:p>
             <a:fld id="{F4AC81B4-D91A-4578-85B3-829E63FCFE17}" type="datetime1">
               <a:rPr lang="ko-KR" altLang="en-US" smtClean="0"/>
-              <a:t>2023-05-24</a:t>
+              <a:t>2023-05-31</a:t>
             </a:fld>
             <a:endParaRPr lang="ko-KR" altLang="en-US"/>
           </a:p>
@@ -1163,7 +1165,7 @@
           <a:p>
             <a:fld id="{F5B77542-37E5-48F2-BAE7-80CC6B0EB6A3}" type="datetime1">
               <a:rPr lang="ko-KR" altLang="en-US" smtClean="0"/>
-              <a:t>2023-05-24</a:t>
+              <a:t>2023-05-31</a:t>
             </a:fld>
             <a:endParaRPr lang="ko-KR" altLang="en-US"/>
           </a:p>
@@ -1343,7 +1345,7 @@
           <a:p>
             <a:fld id="{227CF174-B5AC-4A98-B673-0BE8126D3F27}" type="datetime1">
               <a:rPr lang="ko-KR" altLang="en-US" smtClean="0"/>
-              <a:t>2023-05-24</a:t>
+              <a:t>2023-05-31</a:t>
             </a:fld>
             <a:endParaRPr lang="ko-KR" altLang="en-US"/>
           </a:p>
@@ -1517,7 +1519,7 @@
           <a:p>
             <a:fld id="{E20FDEC8-1339-42E8-9704-2977280C2FD3}" type="datetime1">
               <a:rPr lang="ko-KR" altLang="en-US" smtClean="0"/>
-              <a:t>2023-05-24</a:t>
+              <a:t>2023-05-31</a:t>
             </a:fld>
             <a:endParaRPr lang="ko-KR" altLang="en-US"/>
           </a:p>
@@ -1763,7 +1765,7 @@
           <a:p>
             <a:fld id="{4D18DC76-A282-4817-B790-197F054E1215}" type="datetime1">
               <a:rPr lang="ko-KR" altLang="en-US" smtClean="0"/>
-              <a:t>2023-05-24</a:t>
+              <a:t>2023-05-31</a:t>
             </a:fld>
             <a:endParaRPr lang="ko-KR" altLang="en-US"/>
           </a:p>
@@ -2051,7 +2053,7 @@
           <a:p>
             <a:fld id="{6680AA6C-13D8-43E4-90F0-E6C88A2B9F16}" type="datetime1">
               <a:rPr lang="ko-KR" altLang="en-US" smtClean="0"/>
-              <a:t>2023-05-24</a:t>
+              <a:t>2023-05-31</a:t>
             </a:fld>
             <a:endParaRPr lang="ko-KR" altLang="en-US"/>
           </a:p>
@@ -2473,7 +2475,7 @@
           <a:p>
             <a:fld id="{3EF5B03B-20CC-436E-8601-C933C6C1F4A6}" type="datetime1">
               <a:rPr lang="ko-KR" altLang="en-US" smtClean="0"/>
-              <a:t>2023-05-24</a:t>
+              <a:t>2023-05-31</a:t>
             </a:fld>
             <a:endParaRPr lang="ko-KR" altLang="en-US"/>
           </a:p>
@@ -2591,7 +2593,7 @@
           <a:p>
             <a:fld id="{87B5A15D-8B08-482F-AB47-E416EC355EB6}" type="datetime1">
               <a:rPr lang="ko-KR" altLang="en-US" smtClean="0"/>
-              <a:t>2023-05-24</a:t>
+              <a:t>2023-05-31</a:t>
             </a:fld>
             <a:endParaRPr lang="ko-KR" altLang="en-US"/>
           </a:p>
@@ -2686,7 +2688,7 @@
           <a:p>
             <a:fld id="{A877D7F8-7B64-44F8-A411-CBD22F28CBFF}" type="datetime1">
               <a:rPr lang="ko-KR" altLang="en-US" smtClean="0"/>
-              <a:t>2023-05-24</a:t>
+              <a:t>2023-05-31</a:t>
             </a:fld>
             <a:endParaRPr lang="ko-KR" altLang="en-US"/>
           </a:p>
@@ -2963,7 +2965,7 @@
           <a:p>
             <a:fld id="{E12DBD9B-2BB6-4D1F-BCB4-1E48829C93C3}" type="datetime1">
               <a:rPr lang="ko-KR" altLang="en-US" smtClean="0"/>
-              <a:t>2023-05-24</a:t>
+              <a:t>2023-05-31</a:t>
             </a:fld>
             <a:endParaRPr lang="ko-KR" altLang="en-US"/>
           </a:p>
@@ -3216,7 +3218,7 @@
           <a:p>
             <a:fld id="{17564C48-0CD7-40EB-BE64-BBF4DB8C56AF}" type="datetime1">
               <a:rPr lang="ko-KR" altLang="en-US" smtClean="0"/>
-              <a:t>2023-05-24</a:t>
+              <a:t>2023-05-31</a:t>
             </a:fld>
             <a:endParaRPr lang="ko-KR" altLang="en-US"/>
           </a:p>
@@ -3396,7 +3398,7 @@
           <a:p>
             <a:fld id="{C116BCB4-B68B-4638-8167-F4BDC0A30DA1}" type="datetime1">
               <a:rPr lang="ko-KR" altLang="en-US" smtClean="0"/>
-              <a:t>2023-05-24</a:t>
+              <a:t>2023-05-31</a:t>
             </a:fld>
             <a:endParaRPr lang="ko-KR" altLang="en-US"/>
           </a:p>
@@ -8422,8 +8424,8 @@
         </p:blipFill>
         <p:spPr>
           <a:xfrm>
-            <a:off x="1493598" y="2348880"/>
-            <a:ext cx="4462538" cy="1512168"/>
+            <a:off x="1280592" y="2294759"/>
+            <a:ext cx="5525047" cy="1872208"/>
           </a:xfrm>
           <a:prstGeom prst="rect">
             <a:avLst/>
@@ -8961,7 +8963,7 @@
         <p:spPr>
           <a:xfrm>
             <a:off x="1352600" y="1700808"/>
-            <a:ext cx="4298053" cy="3124471"/>
+            <a:ext cx="5249910" cy="3816424"/>
           </a:xfrm>
           <a:prstGeom prst="rect">
             <a:avLst/>
@@ -9089,8 +9091,8 @@
         </p:blipFill>
         <p:spPr>
           <a:xfrm>
-            <a:off x="1136576" y="1277392"/>
-            <a:ext cx="4000847" cy="2964437"/>
+            <a:off x="992560" y="1268760"/>
+            <a:ext cx="4555953" cy="3375744"/>
           </a:xfrm>
           <a:prstGeom prst="rect">
             <a:avLst/>
@@ -9127,7 +9129,7 @@
         <p:spPr>
           <a:xfrm>
             <a:off x="4664968" y="2636912"/>
-            <a:ext cx="3932261" cy="2591025"/>
+            <a:ext cx="4589874" cy="3024336"/>
           </a:xfrm>
           <a:prstGeom prst="rect">
             <a:avLst/>
@@ -19378,7 +19380,7 @@
         </p:nvSpPr>
         <p:spPr>
           <a:xfrm>
-            <a:off x="1373190" y="4183443"/>
+            <a:off x="1347497" y="4314056"/>
             <a:ext cx="3363786" cy="973749"/>
           </a:xfrm>
           <a:prstGeom prst="roundRect">
@@ -19406,6 +19408,11 @@
           <a:bodyPr rtlCol="0" anchor="ctr"/>
           <a:lstStyle/>
           <a:p>
+            <a:pPr>
+              <a:lnSpc>
+                <a:spcPct val="150000"/>
+              </a:lnSpc>
+            </a:pPr>
             <a:r>
               <a:rPr lang="ko-KR" altLang="en-US" sz="1600" dirty="0" smtClean="0">
                 <a:latin typeface="+mn-ea"/>
@@ -19447,6 +19454,11 @@
             </a:r>
           </a:p>
           <a:p>
+            <a:pPr>
+              <a:lnSpc>
+                <a:spcPct val="150000"/>
+              </a:lnSpc>
+            </a:pPr>
             <a:r>
               <a:rPr lang="ko-KR" altLang="en-US" sz="1600" dirty="0" smtClean="0">
                 <a:latin typeface="+mn-ea"/>
@@ -20417,82 +20429,8 @@
         </p:blipFill>
         <p:spPr>
           <a:xfrm>
-            <a:off x="1136576" y="1700808"/>
-            <a:ext cx="4198984" cy="3154954"/>
-          </a:xfrm>
-          <a:prstGeom prst="rect">
-            <a:avLst/>
-          </a:prstGeom>
-          <a:ln>
-            <a:solidFill>
-              <a:schemeClr val="bg1">
-                <a:lumMod val="85000"/>
-              </a:schemeClr>
-            </a:solidFill>
-          </a:ln>
-        </p:spPr>
-      </p:pic>
-      <p:pic>
-        <p:nvPicPr>
-          <p:cNvPr id="3" name="그림 2"/>
-          <p:cNvPicPr>
-            <a:picLocks noChangeAspect="1"/>
-          </p:cNvPicPr>
-          <p:nvPr/>
-        </p:nvPicPr>
-        <p:blipFill>
-          <a:blip r:embed="rId3">
-            <a:extLst>
-              <a:ext uri="{28A0092B-C50C-407E-A947-70E740481C1C}">
-                <a14:useLocalDpi xmlns:a14="http://schemas.microsoft.com/office/drawing/2010/main" val="0"/>
-              </a:ext>
-            </a:extLst>
-          </a:blip>
-          <a:stretch>
-            <a:fillRect/>
-          </a:stretch>
-        </p:blipFill>
-        <p:spPr>
-          <a:xfrm>
-            <a:off x="4376936" y="3090995"/>
-            <a:ext cx="4633362" cy="2758679"/>
-          </a:xfrm>
-          <a:prstGeom prst="rect">
-            <a:avLst/>
-          </a:prstGeom>
-          <a:ln>
-            <a:solidFill>
-              <a:schemeClr val="bg1">
-                <a:lumMod val="85000"/>
-              </a:schemeClr>
-            </a:solidFill>
-          </a:ln>
-        </p:spPr>
-      </p:pic>
-      <p:pic>
-        <p:nvPicPr>
-          <p:cNvPr id="7" name="그림 6"/>
-          <p:cNvPicPr>
-            <a:picLocks noChangeAspect="1"/>
-          </p:cNvPicPr>
-          <p:nvPr/>
-        </p:nvPicPr>
-        <p:blipFill>
-          <a:blip r:embed="rId4">
-            <a:extLst>
-              <a:ext uri="{28A0092B-C50C-407E-A947-70E740481C1C}">
-                <a14:useLocalDpi xmlns:a14="http://schemas.microsoft.com/office/drawing/2010/main" val="0"/>
-              </a:ext>
-            </a:extLst>
-          </a:blip>
-          <a:stretch>
-            <a:fillRect/>
-          </a:stretch>
-        </p:blipFill>
-        <p:spPr>
-          <a:xfrm>
-            <a:off x="7390609" y="2125867"/>
-            <a:ext cx="1615580" cy="868755"/>
+            <a:off x="1568624" y="1916832"/>
+            <a:ext cx="4760521" cy="3576871"/>
           </a:xfrm>
           <a:prstGeom prst="rect">
             <a:avLst/>
@@ -20619,7 +20557,7 @@
         <p:spPr>
           <a:xfrm>
             <a:off x="732057" y="1052736"/>
-            <a:ext cx="4724999" cy="504056"/>
+            <a:ext cx="4797007" cy="504056"/>
           </a:xfrm>
           <a:prstGeom prst="rect">
             <a:avLst/>
@@ -20805,7 +20743,55 @@
                   <a:srgbClr val="C00000"/>
                 </a:solidFill>
               </a:rPr>
-              <a:t>배열로 구현 객체 관리</a:t>
+              <a:t>필드</a:t>
+            </a:r>
+            <a:r>
+              <a:rPr lang="en-US" altLang="ko-KR" sz="2000" b="1" dirty="0" smtClean="0">
+                <a:solidFill>
+                  <a:srgbClr val="C00000"/>
+                </a:solidFill>
+              </a:rPr>
+              <a:t>(</a:t>
+            </a:r>
+            <a:r>
+              <a:rPr lang="ko-KR" altLang="en-US" sz="2000" b="1" dirty="0" smtClean="0">
+                <a:solidFill>
+                  <a:srgbClr val="C00000"/>
+                </a:solidFill>
+              </a:rPr>
+              <a:t>멤버변수</a:t>
+            </a:r>
+            <a:r>
+              <a:rPr lang="en-US" altLang="ko-KR" sz="2000" b="1" dirty="0" smtClean="0">
+                <a:solidFill>
+                  <a:srgbClr val="C00000"/>
+                </a:solidFill>
+              </a:rPr>
+              <a:t>)</a:t>
+            </a:r>
+            <a:r>
+              <a:rPr lang="ko-KR" altLang="en-US" sz="2000" b="1" dirty="0" smtClean="0">
+                <a:solidFill>
+                  <a:srgbClr val="C00000"/>
+                </a:solidFill>
+              </a:rPr>
+              <a:t>의 </a:t>
+            </a:r>
+            <a:r>
+              <a:rPr lang="ko-KR" altLang="en-US" sz="2000" b="1" dirty="0" err="1" smtClean="0">
+                <a:solidFill>
+                  <a:srgbClr val="C00000"/>
+                </a:solidFill>
+              </a:rPr>
+              <a:t>다형성</a:t>
+            </a:r>
+            <a:r>
+              <a:rPr lang="ko-KR" altLang="en-US" sz="2000" b="1" dirty="0" smtClean="0">
+                <a:solidFill>
+                  <a:srgbClr val="C00000"/>
+                </a:solidFill>
+              </a:rPr>
+              <a:t> 구현</a:t>
             </a:r>
             <a:r>
               <a:rPr lang="en-US" altLang="ko-KR" sz="2000" b="1" dirty="0" smtClean="0">
@@ -20821,7 +20807,7 @@
       </p:sp>
       <p:pic>
         <p:nvPicPr>
-          <p:cNvPr id="4" name="그림 3"/>
+          <p:cNvPr id="3" name="그림 2"/>
           <p:cNvPicPr>
             <a:picLocks noChangeAspect="1"/>
           </p:cNvPicPr>
@@ -20841,8 +20827,8 @@
         </p:blipFill>
         <p:spPr>
           <a:xfrm>
-            <a:off x="1151694" y="1772816"/>
-            <a:ext cx="4275191" cy="2705335"/>
+            <a:off x="1280592" y="1916832"/>
+            <a:ext cx="5442373" cy="3240360"/>
           </a:xfrm>
           <a:prstGeom prst="rect">
             <a:avLst/>
@@ -20858,7 +20844,7 @@
       </p:pic>
       <p:pic>
         <p:nvPicPr>
-          <p:cNvPr id="7" name="그림 6"/>
+          <p:cNvPr id="4" name="그림 3"/>
           <p:cNvPicPr>
             <a:picLocks noChangeAspect="1"/>
           </p:cNvPicPr>
@@ -20878,8 +20864,8 @@
         </p:blipFill>
         <p:spPr>
           <a:xfrm>
-            <a:off x="5727147" y="2146259"/>
-            <a:ext cx="3368332" cy="3292125"/>
+            <a:off x="6969224" y="2492896"/>
+            <a:ext cx="2266870" cy="1971191"/>
           </a:xfrm>
           <a:prstGeom prst="rect">
             <a:avLst/>
@@ -20896,7 +20882,7 @@
     </p:spTree>
     <p:extLst>
       <p:ext uri="{BB962C8B-B14F-4D97-AF65-F5344CB8AC3E}">
-        <p14:creationId xmlns:p14="http://schemas.microsoft.com/office/powerpoint/2010/main" val="823885637"/>
+        <p14:creationId xmlns:p14="http://schemas.microsoft.com/office/powerpoint/2010/main" val="3690501713"/>
       </p:ext>
     </p:extLst>
   </p:cSld>
@@ -20950,8 +20936,12 @@
               <a:t> </a:t>
             </a:r>
             <a:r>
-              <a:rPr lang="ko-KR" altLang="en-US" dirty="0" smtClean="0"/>
-              <a:t>인터페이스 상속</a:t>
+              <a:rPr lang="ko-KR" altLang="en-US" dirty="0"/>
+              <a:t>인터페이스와 </a:t>
+            </a:r>
+            <a:r>
+              <a:rPr lang="ko-KR" altLang="en-US" dirty="0" err="1"/>
+              <a:t>다형성</a:t>
             </a:r>
             <a:endParaRPr lang="ko-KR" altLang="en-US" dirty="0"/>
           </a:p>
@@ -20980,6 +20970,389 @@
             <a:fld id="{1BDE3FE7-3AEA-4B05-AC5A-802D1816ACF0}" type="slidenum">
               <a:rPr lang="ko-KR" altLang="en-US" smtClean="0"/>
               <a:t>36</a:t>
+            </a:fld>
+            <a:endParaRPr lang="ko-KR" altLang="en-US"/>
+          </a:p>
+        </p:txBody>
+      </p:sp>
+      <p:sp>
+        <p:nvSpPr>
+          <p:cNvPr id="12" name="내용 개체 틀 2">
+            <a:extLst>
+              <a:ext uri="{FF2B5EF4-FFF2-40B4-BE49-F238E27FC236}">
+                <a16:creationId xmlns:a16="http://schemas.microsoft.com/office/drawing/2014/main" id="{98AF3A4E-7D90-4241-89FE-799D6F9D5A94}"/>
+              </a:ext>
+            </a:extLst>
+          </p:cNvPr>
+          <p:cNvSpPr txBox="1">
+            <a:spLocks/>
+          </p:cNvSpPr>
+          <p:nvPr/>
+        </p:nvSpPr>
+        <p:spPr>
+          <a:xfrm>
+            <a:off x="732057" y="1052736"/>
+            <a:ext cx="4724999" cy="504056"/>
+          </a:xfrm>
+          <a:prstGeom prst="rect">
+            <a:avLst/>
+          </a:prstGeom>
+        </p:spPr>
+        <p:txBody>
+          <a:bodyPr/>
+          <a:lstStyle>
+            <a:lvl1pPr marL="228600" indent="-228600" algn="l" defTabSz="914400" rtl="0" eaLnBrk="1" latinLnBrk="1" hangingPunct="1">
+              <a:lnSpc>
+                <a:spcPct val="90000"/>
+              </a:lnSpc>
+              <a:spcBef>
+                <a:spcPts val="1000"/>
+              </a:spcBef>
+              <a:buFont typeface="Arial" panose="020B0604020202020204" pitchFamily="34" charset="0"/>
+              <a:buChar char="•"/>
+              <a:defRPr sz="2800" kern="1200">
+                <a:solidFill>
+                  <a:schemeClr val="tx1"/>
+                </a:solidFill>
+                <a:latin typeface="+mn-lt"/>
+                <a:ea typeface="+mn-ea"/>
+                <a:cs typeface="+mn-cs"/>
+              </a:defRPr>
+            </a:lvl1pPr>
+            <a:lvl2pPr marL="685800" indent="-228600" algn="l" defTabSz="914400" rtl="0" eaLnBrk="1" latinLnBrk="1" hangingPunct="1">
+              <a:lnSpc>
+                <a:spcPct val="90000"/>
+              </a:lnSpc>
+              <a:spcBef>
+                <a:spcPts val="500"/>
+              </a:spcBef>
+              <a:buFont typeface="Arial" panose="020B0604020202020204" pitchFamily="34" charset="0"/>
+              <a:buChar char="•"/>
+              <a:defRPr sz="2400" kern="1200">
+                <a:solidFill>
+                  <a:schemeClr val="tx1"/>
+                </a:solidFill>
+                <a:latin typeface="+mn-lt"/>
+                <a:ea typeface="+mn-ea"/>
+                <a:cs typeface="+mn-cs"/>
+              </a:defRPr>
+            </a:lvl2pPr>
+            <a:lvl3pPr marL="1143000" indent="-228600" algn="l" defTabSz="914400" rtl="0" eaLnBrk="1" latinLnBrk="1" hangingPunct="1">
+              <a:lnSpc>
+                <a:spcPct val="90000"/>
+              </a:lnSpc>
+              <a:spcBef>
+                <a:spcPts val="500"/>
+              </a:spcBef>
+              <a:buFont typeface="Arial" panose="020B0604020202020204" pitchFamily="34" charset="0"/>
+              <a:buChar char="•"/>
+              <a:defRPr sz="2000" kern="1200">
+                <a:solidFill>
+                  <a:schemeClr val="tx1"/>
+                </a:solidFill>
+                <a:latin typeface="+mn-lt"/>
+                <a:ea typeface="+mn-ea"/>
+                <a:cs typeface="+mn-cs"/>
+              </a:defRPr>
+            </a:lvl3pPr>
+            <a:lvl4pPr marL="1600200" indent="-228600" algn="l" defTabSz="914400" rtl="0" eaLnBrk="1" latinLnBrk="1" hangingPunct="1">
+              <a:lnSpc>
+                <a:spcPct val="90000"/>
+              </a:lnSpc>
+              <a:spcBef>
+                <a:spcPts val="500"/>
+              </a:spcBef>
+              <a:buFont typeface="Arial" panose="020B0604020202020204" pitchFamily="34" charset="0"/>
+              <a:buChar char="•"/>
+              <a:defRPr sz="1800" kern="1200">
+                <a:solidFill>
+                  <a:schemeClr val="tx1"/>
+                </a:solidFill>
+                <a:latin typeface="+mn-lt"/>
+                <a:ea typeface="+mn-ea"/>
+                <a:cs typeface="+mn-cs"/>
+              </a:defRPr>
+            </a:lvl4pPr>
+            <a:lvl5pPr marL="2057400" indent="-228600" algn="l" defTabSz="914400" rtl="0" eaLnBrk="1" latinLnBrk="1" hangingPunct="1">
+              <a:lnSpc>
+                <a:spcPct val="90000"/>
+              </a:lnSpc>
+              <a:spcBef>
+                <a:spcPts val="500"/>
+              </a:spcBef>
+              <a:buFont typeface="Arial" panose="020B0604020202020204" pitchFamily="34" charset="0"/>
+              <a:buChar char="•"/>
+              <a:defRPr sz="1800" kern="1200">
+                <a:solidFill>
+                  <a:schemeClr val="tx1"/>
+                </a:solidFill>
+                <a:latin typeface="+mn-lt"/>
+                <a:ea typeface="+mn-ea"/>
+                <a:cs typeface="+mn-cs"/>
+              </a:defRPr>
+            </a:lvl5pPr>
+            <a:lvl6pPr marL="2514600" indent="-228600" algn="l" defTabSz="914400" rtl="0" eaLnBrk="1" latinLnBrk="1" hangingPunct="1">
+              <a:lnSpc>
+                <a:spcPct val="90000"/>
+              </a:lnSpc>
+              <a:spcBef>
+                <a:spcPts val="500"/>
+              </a:spcBef>
+              <a:buFont typeface="Arial" panose="020B0604020202020204" pitchFamily="34" charset="0"/>
+              <a:buChar char="•"/>
+              <a:defRPr sz="1800" kern="1200">
+                <a:solidFill>
+                  <a:schemeClr val="tx1"/>
+                </a:solidFill>
+                <a:latin typeface="+mn-lt"/>
+                <a:ea typeface="+mn-ea"/>
+                <a:cs typeface="+mn-cs"/>
+              </a:defRPr>
+            </a:lvl6pPr>
+            <a:lvl7pPr marL="2971800" indent="-228600" algn="l" defTabSz="914400" rtl="0" eaLnBrk="1" latinLnBrk="1" hangingPunct="1">
+              <a:lnSpc>
+                <a:spcPct val="90000"/>
+              </a:lnSpc>
+              <a:spcBef>
+                <a:spcPts val="500"/>
+              </a:spcBef>
+              <a:buFont typeface="Arial" panose="020B0604020202020204" pitchFamily="34" charset="0"/>
+              <a:buChar char="•"/>
+              <a:defRPr sz="1800" kern="1200">
+                <a:solidFill>
+                  <a:schemeClr val="tx1"/>
+                </a:solidFill>
+                <a:latin typeface="+mn-lt"/>
+                <a:ea typeface="+mn-ea"/>
+                <a:cs typeface="+mn-cs"/>
+              </a:defRPr>
+            </a:lvl7pPr>
+            <a:lvl8pPr marL="3429000" indent="-228600" algn="l" defTabSz="914400" rtl="0" eaLnBrk="1" latinLnBrk="1" hangingPunct="1">
+              <a:lnSpc>
+                <a:spcPct val="90000"/>
+              </a:lnSpc>
+              <a:spcBef>
+                <a:spcPts val="500"/>
+              </a:spcBef>
+              <a:buFont typeface="Arial" panose="020B0604020202020204" pitchFamily="34" charset="0"/>
+              <a:buChar char="•"/>
+              <a:defRPr sz="1800" kern="1200">
+                <a:solidFill>
+                  <a:schemeClr val="tx1"/>
+                </a:solidFill>
+                <a:latin typeface="+mn-lt"/>
+                <a:ea typeface="+mn-ea"/>
+                <a:cs typeface="+mn-cs"/>
+              </a:defRPr>
+            </a:lvl8pPr>
+            <a:lvl9pPr marL="3886200" indent="-228600" algn="l" defTabSz="914400" rtl="0" eaLnBrk="1" latinLnBrk="1" hangingPunct="1">
+              <a:lnSpc>
+                <a:spcPct val="90000"/>
+              </a:lnSpc>
+              <a:spcBef>
+                <a:spcPts val="500"/>
+              </a:spcBef>
+              <a:buFont typeface="Arial" panose="020B0604020202020204" pitchFamily="34" charset="0"/>
+              <a:buChar char="•"/>
+              <a:defRPr sz="1800" kern="1200">
+                <a:solidFill>
+                  <a:schemeClr val="tx1"/>
+                </a:solidFill>
+                <a:latin typeface="+mn-lt"/>
+                <a:ea typeface="+mn-ea"/>
+                <a:cs typeface="+mn-cs"/>
+              </a:defRPr>
+            </a:lvl9pPr>
+          </a:lstStyle>
+          <a:p>
+            <a:pPr>
+              <a:lnSpc>
+                <a:spcPct val="150000"/>
+              </a:lnSpc>
+              <a:buFont typeface="Wingdings" panose="05000000000000000000" pitchFamily="2" charset="2"/>
+              <a:buChar char="§"/>
+            </a:pPr>
+            <a:r>
+              <a:rPr lang="ko-KR" altLang="en-US" sz="2000" b="1" dirty="0" smtClean="0">
+                <a:solidFill>
+                  <a:srgbClr val="C00000"/>
+                </a:solidFill>
+              </a:rPr>
+              <a:t>배열로 구현 객체 관리</a:t>
+            </a:r>
+            <a:r>
+              <a:rPr lang="en-US" altLang="ko-KR" sz="2000" b="1" dirty="0" smtClean="0">
+                <a:solidFill>
+                  <a:srgbClr val="C00000"/>
+                </a:solidFill>
+              </a:rPr>
+              <a:t>  </a:t>
+            </a:r>
+            <a:endParaRPr lang="en-US" altLang="ko-KR" sz="1600" dirty="0" smtClean="0"/>
+          </a:p>
+        </p:txBody>
+      </p:sp>
+      <p:pic>
+        <p:nvPicPr>
+          <p:cNvPr id="4" name="그림 3"/>
+          <p:cNvPicPr>
+            <a:picLocks noChangeAspect="1"/>
+          </p:cNvPicPr>
+          <p:nvPr/>
+        </p:nvPicPr>
+        <p:blipFill>
+          <a:blip r:embed="rId2">
+            <a:extLst>
+              <a:ext uri="{28A0092B-C50C-407E-A947-70E740481C1C}">
+                <a14:useLocalDpi xmlns:a14="http://schemas.microsoft.com/office/drawing/2010/main" val="0"/>
+              </a:ext>
+            </a:extLst>
+          </a:blip>
+          <a:stretch>
+            <a:fillRect/>
+          </a:stretch>
+        </p:blipFill>
+        <p:spPr>
+          <a:xfrm>
+            <a:off x="5135509" y="2060848"/>
+            <a:ext cx="4275191" cy="2705335"/>
+          </a:xfrm>
+          <a:prstGeom prst="rect">
+            <a:avLst/>
+          </a:prstGeom>
+          <a:ln>
+            <a:solidFill>
+              <a:schemeClr val="bg1">
+                <a:lumMod val="85000"/>
+              </a:schemeClr>
+            </a:solidFill>
+          </a:ln>
+        </p:spPr>
+      </p:pic>
+      <p:pic>
+        <p:nvPicPr>
+          <p:cNvPr id="7" name="그림 6"/>
+          <p:cNvPicPr>
+            <a:picLocks noChangeAspect="1"/>
+          </p:cNvPicPr>
+          <p:nvPr/>
+        </p:nvPicPr>
+        <p:blipFill>
+          <a:blip r:embed="rId3">
+            <a:extLst>
+              <a:ext uri="{28A0092B-C50C-407E-A947-70E740481C1C}">
+                <a14:useLocalDpi xmlns:a14="http://schemas.microsoft.com/office/drawing/2010/main" val="0"/>
+              </a:ext>
+            </a:extLst>
+          </a:blip>
+          <a:stretch>
+            <a:fillRect/>
+          </a:stretch>
+        </p:blipFill>
+        <p:spPr>
+          <a:xfrm>
+            <a:off x="1136576" y="1844824"/>
+            <a:ext cx="3610068" cy="3528392"/>
+          </a:xfrm>
+          <a:prstGeom prst="rect">
+            <a:avLst/>
+          </a:prstGeom>
+          <a:ln>
+            <a:solidFill>
+              <a:schemeClr val="bg1">
+                <a:lumMod val="85000"/>
+              </a:schemeClr>
+            </a:solidFill>
+          </a:ln>
+        </p:spPr>
+      </p:pic>
+    </p:spTree>
+    <p:extLst>
+      <p:ext uri="{BB962C8B-B14F-4D97-AF65-F5344CB8AC3E}">
+        <p14:creationId xmlns:p14="http://schemas.microsoft.com/office/powerpoint/2010/main" val="823885637"/>
+      </p:ext>
+    </p:extLst>
+  </p:cSld>
+  <p:clrMapOvr>
+    <a:masterClrMapping/>
+  </p:clrMapOvr>
+  <p:timing>
+    <p:tnLst>
+      <p:par>
+        <p:cTn id="1" dur="indefinite" restart="never" nodeType="tmRoot"/>
+      </p:par>
+    </p:tnLst>
+  </p:timing>
+</p:sld>
+</file>
+
+<file path=ppt/slides/slide37.xml><?xml version="1.0" encoding="utf-8"?>
+<p:sld xmlns:a="http://schemas.openxmlformats.org/drawingml/2006/main" xmlns:r="http://schemas.openxmlformats.org/officeDocument/2006/relationships" xmlns:p="http://schemas.openxmlformats.org/presentationml/2006/main">
+  <p:cSld>
+    <p:spTree>
+      <p:nvGrpSpPr>
+        <p:cNvPr id="1" name=""/>
+        <p:cNvGrpSpPr/>
+        <p:nvPr/>
+      </p:nvGrpSpPr>
+      <p:grpSpPr>
+        <a:xfrm>
+          <a:off x="0" y="0"/>
+          <a:ext cx="0" cy="0"/>
+          <a:chOff x="0" y="0"/>
+          <a:chExt cx="0" cy="0"/>
+        </a:xfrm>
+      </p:grpSpPr>
+      <p:sp>
+        <p:nvSpPr>
+          <p:cNvPr id="6" name="제목 5"/>
+          <p:cNvSpPr>
+            <a:spLocks noGrp="1"/>
+          </p:cNvSpPr>
+          <p:nvPr>
+            <p:ph type="title"/>
+          </p:nvPr>
+        </p:nvSpPr>
+        <p:spPr/>
+        <p:txBody>
+          <a:bodyPr/>
+          <a:lstStyle/>
+          <a:p>
+            <a:r>
+              <a:rPr lang="en-US" altLang="ko-KR" dirty="0" smtClean="0"/>
+              <a:t> </a:t>
+            </a:r>
+            <a:r>
+              <a:rPr lang="ko-KR" altLang="en-US" dirty="0" smtClean="0"/>
+              <a:t>인터페이스 상속</a:t>
+            </a:r>
+            <a:endParaRPr lang="ko-KR" altLang="en-US" dirty="0"/>
+          </a:p>
+        </p:txBody>
+      </p:sp>
+      <p:sp>
+        <p:nvSpPr>
+          <p:cNvPr id="5" name="슬라이드 번호 개체 틀 4"/>
+          <p:cNvSpPr>
+            <a:spLocks noGrp="1"/>
+          </p:cNvSpPr>
+          <p:nvPr>
+            <p:ph type="sldNum" sz="quarter" idx="12"/>
+          </p:nvPr>
+        </p:nvSpPr>
+        <p:spPr>
+          <a:xfrm>
+            <a:off x="8853433" y="7312347"/>
+            <a:ext cx="557267" cy="365125"/>
+          </a:xfrm>
+        </p:spPr>
+        <p:txBody>
+          <a:bodyPr/>
+          <a:lstStyle/>
+          <a:p>
+            <a:fld id="{1BDE3FE7-3AEA-4B05-AC5A-802D1816ACF0}" type="slidenum">
+              <a:rPr lang="ko-KR" altLang="en-US" smtClean="0"/>
+              <a:t>37</a:t>
             </a:fld>
             <a:endParaRPr lang="ko-KR" altLang="en-US"/>
           </a:p>
@@ -22167,7 +22540,7 @@
 </p:sld>
 </file>
 
-<file path=ppt/slides/slide37.xml><?xml version="1.0" encoding="utf-8"?>
+<file path=ppt/slides/slide38.xml><?xml version="1.0" encoding="utf-8"?>
 <p:sld xmlns:a="http://schemas.openxmlformats.org/drawingml/2006/main" xmlns:r="http://schemas.openxmlformats.org/officeDocument/2006/relationships" xmlns:p="http://schemas.openxmlformats.org/presentationml/2006/main">
   <p:cSld>
     <p:spTree>
@@ -22233,7 +22606,7 @@
           <a:p>
             <a:fld id="{1BDE3FE7-3AEA-4B05-AC5A-802D1816ACF0}" type="slidenum">
               <a:rPr lang="ko-KR" altLang="en-US" smtClean="0"/>
-              <a:t>37</a:t>
+              <a:t>38</a:t>
             </a:fld>
             <a:endParaRPr lang="ko-KR" altLang="en-US"/>
           </a:p>
@@ -22462,172 +22835,6 @@
     <p:extLst>
       <p:ext uri="{BB962C8B-B14F-4D97-AF65-F5344CB8AC3E}">
         <p14:creationId xmlns:p14="http://schemas.microsoft.com/office/powerpoint/2010/main" val="2230766787"/>
-      </p:ext>
-    </p:extLst>
-  </p:cSld>
-  <p:clrMapOvr>
-    <a:masterClrMapping/>
-  </p:clrMapOvr>
-  <p:timing>
-    <p:tnLst>
-      <p:par>
-        <p:cTn id="1" dur="indefinite" restart="never" nodeType="tmRoot"/>
-      </p:par>
-    </p:tnLst>
-  </p:timing>
-</p:sld>
-</file>
-
-<file path=ppt/slides/slide38.xml><?xml version="1.0" encoding="utf-8"?>
-<p:sld xmlns:a="http://schemas.openxmlformats.org/drawingml/2006/main" xmlns:r="http://schemas.openxmlformats.org/officeDocument/2006/relationships" xmlns:p="http://schemas.openxmlformats.org/presentationml/2006/main">
-  <p:cSld>
-    <p:spTree>
-      <p:nvGrpSpPr>
-        <p:cNvPr id="1" name=""/>
-        <p:cNvGrpSpPr/>
-        <p:nvPr/>
-      </p:nvGrpSpPr>
-      <p:grpSpPr>
-        <a:xfrm>
-          <a:off x="0" y="0"/>
-          <a:ext cx="0" cy="0"/>
-          <a:chOff x="0" y="0"/>
-          <a:chExt cx="0" cy="0"/>
-        </a:xfrm>
-      </p:grpSpPr>
-      <p:sp>
-        <p:nvSpPr>
-          <p:cNvPr id="6" name="제목 5"/>
-          <p:cNvSpPr>
-            <a:spLocks noGrp="1"/>
-          </p:cNvSpPr>
-          <p:nvPr>
-            <p:ph type="title"/>
-          </p:nvPr>
-        </p:nvSpPr>
-        <p:spPr/>
-        <p:txBody>
-          <a:bodyPr/>
-          <a:lstStyle/>
-          <a:p>
-            <a:r>
-              <a:rPr lang="en-US" altLang="ko-KR" dirty="0" smtClean="0"/>
-              <a:t> </a:t>
-            </a:r>
-            <a:r>
-              <a:rPr lang="ko-KR" altLang="en-US" dirty="0" smtClean="0"/>
-              <a:t>인터페이스 상속</a:t>
-            </a:r>
-            <a:endParaRPr lang="ko-KR" altLang="en-US" dirty="0"/>
-          </a:p>
-        </p:txBody>
-      </p:sp>
-      <p:sp>
-        <p:nvSpPr>
-          <p:cNvPr id="5" name="슬라이드 번호 개체 틀 4"/>
-          <p:cNvSpPr>
-            <a:spLocks noGrp="1"/>
-          </p:cNvSpPr>
-          <p:nvPr>
-            <p:ph type="sldNum" sz="quarter" idx="12"/>
-          </p:nvPr>
-        </p:nvSpPr>
-        <p:spPr>
-          <a:xfrm>
-            <a:off x="8853433" y="7312347"/>
-            <a:ext cx="557267" cy="365125"/>
-          </a:xfrm>
-        </p:spPr>
-        <p:txBody>
-          <a:bodyPr/>
-          <a:lstStyle/>
-          <a:p>
-            <a:fld id="{1BDE3FE7-3AEA-4B05-AC5A-802D1816ACF0}" type="slidenum">
-              <a:rPr lang="ko-KR" altLang="en-US" smtClean="0"/>
-              <a:t>38</a:t>
-            </a:fld>
-            <a:endParaRPr lang="ko-KR" altLang="en-US"/>
-          </a:p>
-        </p:txBody>
-      </p:sp>
-      <p:pic>
-        <p:nvPicPr>
-          <p:cNvPr id="2" name="그림 1"/>
-          <p:cNvPicPr>
-            <a:picLocks noChangeAspect="1"/>
-          </p:cNvPicPr>
-          <p:nvPr/>
-        </p:nvPicPr>
-        <p:blipFill>
-          <a:blip r:embed="rId2">
-            <a:extLst>
-              <a:ext uri="{28A0092B-C50C-407E-A947-70E740481C1C}">
-                <a14:useLocalDpi xmlns:a14="http://schemas.microsoft.com/office/drawing/2010/main" val="0"/>
-              </a:ext>
-            </a:extLst>
-          </a:blip>
-          <a:stretch>
-            <a:fillRect/>
-          </a:stretch>
-        </p:blipFill>
-        <p:spPr>
-          <a:xfrm>
-            <a:off x="848544" y="1268760"/>
-            <a:ext cx="4587638" cy="3383573"/>
-          </a:xfrm>
-          <a:prstGeom prst="rect">
-            <a:avLst/>
-          </a:prstGeom>
-          <a:ln>
-            <a:solidFill>
-              <a:schemeClr val="bg1">
-                <a:lumMod val="85000"/>
-              </a:schemeClr>
-            </a:solidFill>
-          </a:ln>
-        </p:spPr>
-      </p:pic>
-      <p:pic>
-        <p:nvPicPr>
-          <p:cNvPr id="3" name="그림 2"/>
-          <p:cNvPicPr>
-            <a:picLocks noChangeAspect="1"/>
-          </p:cNvPicPr>
-          <p:nvPr/>
-        </p:nvPicPr>
-        <p:blipFill>
-          <a:blip r:embed="rId3">
-            <a:extLst>
-              <a:ext uri="{28A0092B-C50C-407E-A947-70E740481C1C}">
-                <a14:useLocalDpi xmlns:a14="http://schemas.microsoft.com/office/drawing/2010/main" val="0"/>
-              </a:ext>
-            </a:extLst>
-          </a:blip>
-          <a:stretch>
-            <a:fillRect/>
-          </a:stretch>
-        </p:blipFill>
-        <p:spPr>
-          <a:xfrm>
-            <a:off x="4520952" y="1988839"/>
-            <a:ext cx="5159187" cy="3383573"/>
-          </a:xfrm>
-          <a:prstGeom prst="rect">
-            <a:avLst/>
-          </a:prstGeom>
-          <a:ln>
-            <a:solidFill>
-              <a:schemeClr val="bg1">
-                <a:lumMod val="85000"/>
-              </a:schemeClr>
-            </a:solidFill>
-          </a:ln>
-        </p:spPr>
-      </p:pic>
-    </p:spTree>
-    <p:extLst>
-      <p:ext uri="{BB962C8B-B14F-4D97-AF65-F5344CB8AC3E}">
-        <p14:creationId xmlns:p14="http://schemas.microsoft.com/office/powerpoint/2010/main" val="4038026129"/>
       </p:ext>
     </p:extLst>
   </p:cSld>
@@ -22682,7 +22889,7 @@
             </a:r>
             <a:r>
               <a:rPr lang="ko-KR" altLang="en-US" dirty="0" smtClean="0"/>
-              <a:t>인터페이스 활용</a:t>
+              <a:t>인터페이스 상속</a:t>
             </a:r>
             <a:endParaRPr lang="ko-KR" altLang="en-US" dirty="0"/>
           </a:p>
@@ -22711,6 +22918,1160 @@
             <a:fld id="{1BDE3FE7-3AEA-4B05-AC5A-802D1816ACF0}" type="slidenum">
               <a:rPr lang="ko-KR" altLang="en-US" smtClean="0"/>
               <a:t>39</a:t>
+            </a:fld>
+            <a:endParaRPr lang="ko-KR" altLang="en-US"/>
+          </a:p>
+        </p:txBody>
+      </p:sp>
+      <p:pic>
+        <p:nvPicPr>
+          <p:cNvPr id="2" name="그림 1"/>
+          <p:cNvPicPr>
+            <a:picLocks noChangeAspect="1"/>
+          </p:cNvPicPr>
+          <p:nvPr/>
+        </p:nvPicPr>
+        <p:blipFill>
+          <a:blip r:embed="rId2">
+            <a:extLst>
+              <a:ext uri="{28A0092B-C50C-407E-A947-70E740481C1C}">
+                <a14:useLocalDpi xmlns:a14="http://schemas.microsoft.com/office/drawing/2010/main" val="0"/>
+              </a:ext>
+            </a:extLst>
+          </a:blip>
+          <a:stretch>
+            <a:fillRect/>
+          </a:stretch>
+        </p:blipFill>
+        <p:spPr>
+          <a:xfrm>
+            <a:off x="1712639" y="1556792"/>
+            <a:ext cx="5076889" cy="3744416"/>
+          </a:xfrm>
+          <a:prstGeom prst="rect">
+            <a:avLst/>
+          </a:prstGeom>
+          <a:ln>
+            <a:solidFill>
+              <a:schemeClr val="bg1">
+                <a:lumMod val="85000"/>
+              </a:schemeClr>
+            </a:solidFill>
+          </a:ln>
+        </p:spPr>
+      </p:pic>
+    </p:spTree>
+    <p:extLst>
+      <p:ext uri="{BB962C8B-B14F-4D97-AF65-F5344CB8AC3E}">
+        <p14:creationId xmlns:p14="http://schemas.microsoft.com/office/powerpoint/2010/main" val="4038026129"/>
+      </p:ext>
+    </p:extLst>
+  </p:cSld>
+  <p:clrMapOvr>
+    <a:masterClrMapping/>
+  </p:clrMapOvr>
+  <p:timing>
+    <p:tnLst>
+      <p:par>
+        <p:cTn id="1" dur="indefinite" restart="never" nodeType="tmRoot"/>
+      </p:par>
+    </p:tnLst>
+  </p:timing>
+</p:sld>
+</file>
+
+<file path=ppt/slides/slide4.xml><?xml version="1.0" encoding="utf-8"?>
+<p:sld xmlns:a="http://schemas.openxmlformats.org/drawingml/2006/main" xmlns:r="http://schemas.openxmlformats.org/officeDocument/2006/relationships" xmlns:p="http://schemas.openxmlformats.org/presentationml/2006/main">
+  <p:cSld>
+    <p:spTree>
+      <p:nvGrpSpPr>
+        <p:cNvPr id="1" name=""/>
+        <p:cNvGrpSpPr/>
+        <p:nvPr/>
+      </p:nvGrpSpPr>
+      <p:grpSpPr>
+        <a:xfrm>
+          <a:off x="0" y="0"/>
+          <a:ext cx="0" cy="0"/>
+          <a:chOff x="0" y="0"/>
+          <a:chExt cx="0" cy="0"/>
+        </a:xfrm>
+      </p:grpSpPr>
+      <p:sp>
+        <p:nvSpPr>
+          <p:cNvPr id="6" name="제목 5"/>
+          <p:cNvSpPr>
+            <a:spLocks noGrp="1"/>
+          </p:cNvSpPr>
+          <p:nvPr>
+            <p:ph type="title"/>
+          </p:nvPr>
+        </p:nvSpPr>
+        <p:spPr/>
+        <p:txBody>
+          <a:bodyPr/>
+          <a:lstStyle/>
+          <a:p>
+            <a:r>
+              <a:rPr lang="en-US" altLang="ko-KR" dirty="0" smtClean="0"/>
+              <a:t> </a:t>
+            </a:r>
+            <a:r>
+              <a:rPr lang="ko-KR" altLang="en-US" dirty="0" smtClean="0"/>
+              <a:t>인터페이스</a:t>
+            </a:r>
+            <a:r>
+              <a:rPr lang="en-US" altLang="ko-KR" dirty="0" smtClean="0"/>
+              <a:t>(Interface)</a:t>
+            </a:r>
+            <a:endParaRPr lang="ko-KR" altLang="en-US" dirty="0"/>
+          </a:p>
+        </p:txBody>
+      </p:sp>
+      <p:sp>
+        <p:nvSpPr>
+          <p:cNvPr id="5" name="슬라이드 번호 개체 틀 4"/>
+          <p:cNvSpPr>
+            <a:spLocks noGrp="1"/>
+          </p:cNvSpPr>
+          <p:nvPr>
+            <p:ph type="sldNum" sz="quarter" idx="12"/>
+          </p:nvPr>
+        </p:nvSpPr>
+        <p:spPr>
+          <a:xfrm>
+            <a:off x="8853433" y="7312347"/>
+            <a:ext cx="557267" cy="365125"/>
+          </a:xfrm>
+        </p:spPr>
+        <p:txBody>
+          <a:bodyPr/>
+          <a:lstStyle/>
+          <a:p>
+            <a:fld id="{1BDE3FE7-3AEA-4B05-AC5A-802D1816ACF0}" type="slidenum">
+              <a:rPr lang="ko-KR" altLang="en-US" smtClean="0"/>
+              <a:t>4</a:t>
+            </a:fld>
+            <a:endParaRPr lang="ko-KR" altLang="en-US"/>
+          </a:p>
+        </p:txBody>
+      </p:sp>
+      <p:sp>
+        <p:nvSpPr>
+          <p:cNvPr id="10" name="내용 개체 틀 2">
+            <a:extLst>
+              <a:ext uri="{FF2B5EF4-FFF2-40B4-BE49-F238E27FC236}">
+                <a16:creationId xmlns:a16="http://schemas.microsoft.com/office/drawing/2014/main" id="{98AF3A4E-7D90-4241-89FE-799D6F9D5A94}"/>
+              </a:ext>
+            </a:extLst>
+          </p:cNvPr>
+          <p:cNvSpPr txBox="1">
+            <a:spLocks/>
+          </p:cNvSpPr>
+          <p:nvPr/>
+        </p:nvSpPr>
+        <p:spPr>
+          <a:xfrm>
+            <a:off x="1058551" y="1196752"/>
+            <a:ext cx="5622641" cy="504056"/>
+          </a:xfrm>
+          <a:prstGeom prst="rect">
+            <a:avLst/>
+          </a:prstGeom>
+        </p:spPr>
+        <p:txBody>
+          <a:bodyPr/>
+          <a:lstStyle>
+            <a:lvl1pPr marL="228600" indent="-228600" algn="l" defTabSz="914400" rtl="0" eaLnBrk="1" latinLnBrk="1" hangingPunct="1">
+              <a:lnSpc>
+                <a:spcPct val="90000"/>
+              </a:lnSpc>
+              <a:spcBef>
+                <a:spcPts val="1000"/>
+              </a:spcBef>
+              <a:buFont typeface="Arial" panose="020B0604020202020204" pitchFamily="34" charset="0"/>
+              <a:buChar char="•"/>
+              <a:defRPr sz="2800" kern="1200">
+                <a:solidFill>
+                  <a:schemeClr val="tx1"/>
+                </a:solidFill>
+                <a:latin typeface="+mn-lt"/>
+                <a:ea typeface="+mn-ea"/>
+                <a:cs typeface="+mn-cs"/>
+              </a:defRPr>
+            </a:lvl1pPr>
+            <a:lvl2pPr marL="685800" indent="-228600" algn="l" defTabSz="914400" rtl="0" eaLnBrk="1" latinLnBrk="1" hangingPunct="1">
+              <a:lnSpc>
+                <a:spcPct val="90000"/>
+              </a:lnSpc>
+              <a:spcBef>
+                <a:spcPts val="500"/>
+              </a:spcBef>
+              <a:buFont typeface="Arial" panose="020B0604020202020204" pitchFamily="34" charset="0"/>
+              <a:buChar char="•"/>
+              <a:defRPr sz="2400" kern="1200">
+                <a:solidFill>
+                  <a:schemeClr val="tx1"/>
+                </a:solidFill>
+                <a:latin typeface="+mn-lt"/>
+                <a:ea typeface="+mn-ea"/>
+                <a:cs typeface="+mn-cs"/>
+              </a:defRPr>
+            </a:lvl2pPr>
+            <a:lvl3pPr marL="1143000" indent="-228600" algn="l" defTabSz="914400" rtl="0" eaLnBrk="1" latinLnBrk="1" hangingPunct="1">
+              <a:lnSpc>
+                <a:spcPct val="90000"/>
+              </a:lnSpc>
+              <a:spcBef>
+                <a:spcPts val="500"/>
+              </a:spcBef>
+              <a:buFont typeface="Arial" panose="020B0604020202020204" pitchFamily="34" charset="0"/>
+              <a:buChar char="•"/>
+              <a:defRPr sz="2000" kern="1200">
+                <a:solidFill>
+                  <a:schemeClr val="tx1"/>
+                </a:solidFill>
+                <a:latin typeface="+mn-lt"/>
+                <a:ea typeface="+mn-ea"/>
+                <a:cs typeface="+mn-cs"/>
+              </a:defRPr>
+            </a:lvl3pPr>
+            <a:lvl4pPr marL="1600200" indent="-228600" algn="l" defTabSz="914400" rtl="0" eaLnBrk="1" latinLnBrk="1" hangingPunct="1">
+              <a:lnSpc>
+                <a:spcPct val="90000"/>
+              </a:lnSpc>
+              <a:spcBef>
+                <a:spcPts val="500"/>
+              </a:spcBef>
+              <a:buFont typeface="Arial" panose="020B0604020202020204" pitchFamily="34" charset="0"/>
+              <a:buChar char="•"/>
+              <a:defRPr sz="1800" kern="1200">
+                <a:solidFill>
+                  <a:schemeClr val="tx1"/>
+                </a:solidFill>
+                <a:latin typeface="+mn-lt"/>
+                <a:ea typeface="+mn-ea"/>
+                <a:cs typeface="+mn-cs"/>
+              </a:defRPr>
+            </a:lvl4pPr>
+            <a:lvl5pPr marL="2057400" indent="-228600" algn="l" defTabSz="914400" rtl="0" eaLnBrk="1" latinLnBrk="1" hangingPunct="1">
+              <a:lnSpc>
+                <a:spcPct val="90000"/>
+              </a:lnSpc>
+              <a:spcBef>
+                <a:spcPts val="500"/>
+              </a:spcBef>
+              <a:buFont typeface="Arial" panose="020B0604020202020204" pitchFamily="34" charset="0"/>
+              <a:buChar char="•"/>
+              <a:defRPr sz="1800" kern="1200">
+                <a:solidFill>
+                  <a:schemeClr val="tx1"/>
+                </a:solidFill>
+                <a:latin typeface="+mn-lt"/>
+                <a:ea typeface="+mn-ea"/>
+                <a:cs typeface="+mn-cs"/>
+              </a:defRPr>
+            </a:lvl5pPr>
+            <a:lvl6pPr marL="2514600" indent="-228600" algn="l" defTabSz="914400" rtl="0" eaLnBrk="1" latinLnBrk="1" hangingPunct="1">
+              <a:lnSpc>
+                <a:spcPct val="90000"/>
+              </a:lnSpc>
+              <a:spcBef>
+                <a:spcPts val="500"/>
+              </a:spcBef>
+              <a:buFont typeface="Arial" panose="020B0604020202020204" pitchFamily="34" charset="0"/>
+              <a:buChar char="•"/>
+              <a:defRPr sz="1800" kern="1200">
+                <a:solidFill>
+                  <a:schemeClr val="tx1"/>
+                </a:solidFill>
+                <a:latin typeface="+mn-lt"/>
+                <a:ea typeface="+mn-ea"/>
+                <a:cs typeface="+mn-cs"/>
+              </a:defRPr>
+            </a:lvl6pPr>
+            <a:lvl7pPr marL="2971800" indent="-228600" algn="l" defTabSz="914400" rtl="0" eaLnBrk="1" latinLnBrk="1" hangingPunct="1">
+              <a:lnSpc>
+                <a:spcPct val="90000"/>
+              </a:lnSpc>
+              <a:spcBef>
+                <a:spcPts val="500"/>
+              </a:spcBef>
+              <a:buFont typeface="Arial" panose="020B0604020202020204" pitchFamily="34" charset="0"/>
+              <a:buChar char="•"/>
+              <a:defRPr sz="1800" kern="1200">
+                <a:solidFill>
+                  <a:schemeClr val="tx1"/>
+                </a:solidFill>
+                <a:latin typeface="+mn-lt"/>
+                <a:ea typeface="+mn-ea"/>
+                <a:cs typeface="+mn-cs"/>
+              </a:defRPr>
+            </a:lvl7pPr>
+            <a:lvl8pPr marL="3429000" indent="-228600" algn="l" defTabSz="914400" rtl="0" eaLnBrk="1" latinLnBrk="1" hangingPunct="1">
+              <a:lnSpc>
+                <a:spcPct val="90000"/>
+              </a:lnSpc>
+              <a:spcBef>
+                <a:spcPts val="500"/>
+              </a:spcBef>
+              <a:buFont typeface="Arial" panose="020B0604020202020204" pitchFamily="34" charset="0"/>
+              <a:buChar char="•"/>
+              <a:defRPr sz="1800" kern="1200">
+                <a:solidFill>
+                  <a:schemeClr val="tx1"/>
+                </a:solidFill>
+                <a:latin typeface="+mn-lt"/>
+                <a:ea typeface="+mn-ea"/>
+                <a:cs typeface="+mn-cs"/>
+              </a:defRPr>
+            </a:lvl8pPr>
+            <a:lvl9pPr marL="3886200" indent="-228600" algn="l" defTabSz="914400" rtl="0" eaLnBrk="1" latinLnBrk="1" hangingPunct="1">
+              <a:lnSpc>
+                <a:spcPct val="90000"/>
+              </a:lnSpc>
+              <a:spcBef>
+                <a:spcPts val="500"/>
+              </a:spcBef>
+              <a:buFont typeface="Arial" panose="020B0604020202020204" pitchFamily="34" charset="0"/>
+              <a:buChar char="•"/>
+              <a:defRPr sz="1800" kern="1200">
+                <a:solidFill>
+                  <a:schemeClr val="tx1"/>
+                </a:solidFill>
+                <a:latin typeface="+mn-lt"/>
+                <a:ea typeface="+mn-ea"/>
+                <a:cs typeface="+mn-cs"/>
+              </a:defRPr>
+            </a:lvl9pPr>
+          </a:lstStyle>
+          <a:p>
+            <a:pPr>
+              <a:lnSpc>
+                <a:spcPct val="150000"/>
+              </a:lnSpc>
+              <a:buFont typeface="Wingdings" panose="05000000000000000000" pitchFamily="2" charset="2"/>
+              <a:buChar char="§"/>
+            </a:pPr>
+            <a:r>
+              <a:rPr lang="ko-KR" altLang="en-US" sz="2000" b="1" dirty="0" smtClean="0">
+                <a:solidFill>
+                  <a:srgbClr val="C00000"/>
+                </a:solidFill>
+              </a:rPr>
+              <a:t>정수형 계산기를 인터페이스로 구현하기</a:t>
+            </a:r>
+            <a:endParaRPr lang="en-US" altLang="ko-KR" sz="2000" b="1" dirty="0">
+              <a:solidFill>
+                <a:srgbClr val="C00000"/>
+              </a:solidFill>
+            </a:endParaRPr>
+          </a:p>
+          <a:p>
+            <a:pPr marL="457200" lvl="1" indent="0">
+              <a:lnSpc>
+                <a:spcPct val="100000"/>
+              </a:lnSpc>
+              <a:buNone/>
+            </a:pPr>
+            <a:endParaRPr lang="en-US" altLang="ko-KR" sz="2000" b="1" dirty="0" smtClean="0">
+              <a:solidFill>
+                <a:srgbClr val="C00000"/>
+              </a:solidFill>
+            </a:endParaRPr>
+          </a:p>
+        </p:txBody>
+      </p:sp>
+      <p:grpSp>
+        <p:nvGrpSpPr>
+          <p:cNvPr id="18" name="그룹 17"/>
+          <p:cNvGrpSpPr/>
+          <p:nvPr/>
+        </p:nvGrpSpPr>
+        <p:grpSpPr>
+          <a:xfrm>
+            <a:off x="4788520" y="3082694"/>
+            <a:ext cx="1244600" cy="135636"/>
+            <a:chOff x="7617297" y="4088181"/>
+            <a:chExt cx="605520" cy="130282"/>
+          </a:xfrm>
+        </p:grpSpPr>
+        <p:sp>
+          <p:nvSpPr>
+            <p:cNvPr id="19" name="이등변 삼각형 18">
+              <a:extLst>
+                <a:ext uri="{FF2B5EF4-FFF2-40B4-BE49-F238E27FC236}">
+                  <a16:creationId xmlns:a16="http://schemas.microsoft.com/office/drawing/2014/main" id="{A928C65B-0F62-4DFC-9220-DF40E5958238}"/>
+                </a:ext>
+              </a:extLst>
+            </p:cNvPr>
+            <p:cNvSpPr/>
+            <p:nvPr/>
+          </p:nvSpPr>
+          <p:spPr>
+            <a:xfrm rot="16200000">
+              <a:off x="7611916" y="4093562"/>
+              <a:ext cx="130282" cy="119519"/>
+            </a:xfrm>
+            <a:prstGeom prst="triangle">
+              <a:avLst/>
+            </a:prstGeom>
+            <a:ln w="12700"/>
+          </p:spPr>
+          <p:style>
+            <a:lnRef idx="2">
+              <a:schemeClr val="accent5"/>
+            </a:lnRef>
+            <a:fillRef idx="1">
+              <a:schemeClr val="lt1"/>
+            </a:fillRef>
+            <a:effectRef idx="0">
+              <a:schemeClr val="accent5"/>
+            </a:effectRef>
+            <a:fontRef idx="minor">
+              <a:schemeClr val="dk1"/>
+            </a:fontRef>
+          </p:style>
+          <p:txBody>
+            <a:bodyPr rtlCol="0" anchor="ctr"/>
+            <a:lstStyle/>
+            <a:p>
+              <a:pPr algn="ctr"/>
+              <a:endParaRPr lang="ko-KR" altLang="en-US" sz="1600"/>
+            </a:p>
+          </p:txBody>
+        </p:sp>
+        <p:cxnSp>
+          <p:nvCxnSpPr>
+            <p:cNvPr id="23" name="직선 연결선 22">
+              <a:extLst>
+                <a:ext uri="{FF2B5EF4-FFF2-40B4-BE49-F238E27FC236}">
+                  <a16:creationId xmlns:a16="http://schemas.microsoft.com/office/drawing/2014/main" id="{D15E6F92-B9C8-4563-8C4E-646F583209B9}"/>
+                </a:ext>
+              </a:extLst>
+            </p:cNvPr>
+            <p:cNvCxnSpPr>
+              <a:cxnSpLocks/>
+            </p:cNvCxnSpPr>
+            <p:nvPr/>
+          </p:nvCxnSpPr>
+          <p:spPr>
+            <a:xfrm rot="16200000">
+              <a:off x="7979817" y="3912384"/>
+              <a:ext cx="0" cy="486000"/>
+            </a:xfrm>
+            <a:prstGeom prst="line">
+              <a:avLst/>
+            </a:prstGeom>
+            <a:ln w="19050">
+              <a:prstDash val="sysDash"/>
+            </a:ln>
+          </p:spPr>
+          <p:style>
+            <a:lnRef idx="2">
+              <a:schemeClr val="accent5"/>
+            </a:lnRef>
+            <a:fillRef idx="1">
+              <a:schemeClr val="lt1"/>
+            </a:fillRef>
+            <a:effectRef idx="0">
+              <a:schemeClr val="accent5"/>
+            </a:effectRef>
+            <a:fontRef idx="minor">
+              <a:schemeClr val="dk1"/>
+            </a:fontRef>
+          </p:style>
+        </p:cxnSp>
+      </p:grpSp>
+      <p:sp>
+        <p:nvSpPr>
+          <p:cNvPr id="27" name="TextBox 26"/>
+          <p:cNvSpPr txBox="1"/>
+          <p:nvPr/>
+        </p:nvSpPr>
+        <p:spPr>
+          <a:xfrm>
+            <a:off x="4738180" y="2420888"/>
+            <a:ext cx="1360150" cy="584775"/>
+          </a:xfrm>
+          <a:prstGeom prst="rect">
+            <a:avLst/>
+          </a:prstGeom>
+          <a:noFill/>
+        </p:spPr>
+        <p:txBody>
+          <a:bodyPr wrap="square" rtlCol="0">
+            <a:spAutoFit/>
+          </a:bodyPr>
+          <a:lstStyle/>
+          <a:p>
+            <a:r>
+              <a:rPr lang="ko-KR" altLang="en-US" sz="1600" dirty="0" smtClean="0"/>
+              <a:t>     구현</a:t>
+            </a:r>
+            <a:endParaRPr lang="en-US" altLang="ko-KR" sz="1600" dirty="0" smtClean="0"/>
+          </a:p>
+          <a:p>
+            <a:r>
+              <a:rPr lang="en-US" altLang="ko-KR" sz="1600" dirty="0" smtClean="0"/>
+              <a:t>(implements)</a:t>
+            </a:r>
+            <a:endParaRPr lang="ko-KR" altLang="en-US" sz="1600" dirty="0"/>
+          </a:p>
+        </p:txBody>
+      </p:sp>
+      <p:sp>
+        <p:nvSpPr>
+          <p:cNvPr id="32" name="직사각형 31"/>
+          <p:cNvSpPr/>
+          <p:nvPr/>
+        </p:nvSpPr>
+        <p:spPr>
+          <a:xfrm>
+            <a:off x="1526498" y="2132856"/>
+            <a:ext cx="2850438" cy="721821"/>
+          </a:xfrm>
+          <a:prstGeom prst="rect">
+            <a:avLst/>
+          </a:prstGeom>
+          <a:noFill/>
+          <a:ln w="12700"/>
+        </p:spPr>
+        <p:style>
+          <a:lnRef idx="2">
+            <a:schemeClr val="accent1">
+              <a:shade val="50000"/>
+            </a:schemeClr>
+          </a:lnRef>
+          <a:fillRef idx="1">
+            <a:schemeClr val="accent1"/>
+          </a:fillRef>
+          <a:effectRef idx="0">
+            <a:schemeClr val="accent1"/>
+          </a:effectRef>
+          <a:fontRef idx="minor">
+            <a:schemeClr val="lt1"/>
+          </a:fontRef>
+        </p:style>
+        <p:txBody>
+          <a:bodyPr rtlCol="0" anchor="ctr"/>
+          <a:lstStyle/>
+          <a:p>
+            <a:pPr algn="ctr"/>
+            <a:r>
+              <a:rPr lang="en-US" altLang="ko-KR" i="1" dirty="0" smtClean="0">
+                <a:solidFill>
+                  <a:sysClr val="windowText" lastClr="000000"/>
+                </a:solidFill>
+              </a:rPr>
+              <a:t>&lt;&lt;interface&gt;&gt;</a:t>
+            </a:r>
+          </a:p>
+          <a:p>
+            <a:pPr algn="ctr"/>
+            <a:r>
+              <a:rPr lang="en-US" altLang="ko-KR" i="1" dirty="0" smtClean="0">
+                <a:solidFill>
+                  <a:sysClr val="windowText" lastClr="000000"/>
+                </a:solidFill>
+              </a:rPr>
+              <a:t>Calculator</a:t>
+            </a:r>
+            <a:endParaRPr lang="ko-KR" altLang="en-US" i="1" dirty="0">
+              <a:solidFill>
+                <a:sysClr val="windowText" lastClr="000000"/>
+              </a:solidFill>
+            </a:endParaRPr>
+          </a:p>
+        </p:txBody>
+      </p:sp>
+      <p:sp>
+        <p:nvSpPr>
+          <p:cNvPr id="33" name="직사각형 32"/>
+          <p:cNvSpPr/>
+          <p:nvPr/>
+        </p:nvSpPr>
+        <p:spPr>
+          <a:xfrm>
+            <a:off x="1526498" y="2854677"/>
+            <a:ext cx="2850438" cy="1674136"/>
+          </a:xfrm>
+          <a:prstGeom prst="rect">
+            <a:avLst/>
+          </a:prstGeom>
+          <a:noFill/>
+          <a:ln w="12700"/>
+        </p:spPr>
+        <p:style>
+          <a:lnRef idx="2">
+            <a:schemeClr val="accent1">
+              <a:shade val="50000"/>
+            </a:schemeClr>
+          </a:lnRef>
+          <a:fillRef idx="1">
+            <a:schemeClr val="accent1"/>
+          </a:fillRef>
+          <a:effectRef idx="0">
+            <a:schemeClr val="accent1"/>
+          </a:effectRef>
+          <a:fontRef idx="minor">
+            <a:schemeClr val="lt1"/>
+          </a:fontRef>
+        </p:style>
+        <p:txBody>
+          <a:bodyPr rtlCol="0" anchor="ctr"/>
+          <a:lstStyle/>
+          <a:p>
+            <a:pPr algn="ctr"/>
+            <a:r>
+              <a:rPr lang="en-US" altLang="ko-KR" sz="1600" i="1" dirty="0" err="1">
+                <a:solidFill>
+                  <a:sysClr val="windowText" lastClr="000000"/>
+                </a:solidFill>
+              </a:rPr>
+              <a:t>i</a:t>
+            </a:r>
+            <a:r>
+              <a:rPr lang="en-US" altLang="ko-KR" sz="1600" i="1" dirty="0" err="1" smtClean="0">
+                <a:solidFill>
+                  <a:sysClr val="windowText" lastClr="000000"/>
+                </a:solidFill>
+              </a:rPr>
+              <a:t>nt</a:t>
+            </a:r>
+            <a:r>
+              <a:rPr lang="en-US" altLang="ko-KR" sz="1600" i="1" dirty="0" smtClean="0">
+                <a:solidFill>
+                  <a:sysClr val="windowText" lastClr="000000"/>
+                </a:solidFill>
+              </a:rPr>
+              <a:t> add(</a:t>
+            </a:r>
+            <a:r>
+              <a:rPr lang="en-US" altLang="ko-KR" sz="1600" i="1" dirty="0" err="1" smtClean="0">
+                <a:solidFill>
+                  <a:sysClr val="windowText" lastClr="000000"/>
+                </a:solidFill>
+              </a:rPr>
+              <a:t>int</a:t>
+            </a:r>
+            <a:r>
+              <a:rPr lang="en-US" altLang="ko-KR" sz="1600" i="1" dirty="0" smtClean="0">
+                <a:solidFill>
+                  <a:sysClr val="windowText" lastClr="000000"/>
+                </a:solidFill>
+              </a:rPr>
+              <a:t> n1, </a:t>
+            </a:r>
+            <a:r>
+              <a:rPr lang="en-US" altLang="ko-KR" sz="1600" i="1" dirty="0" err="1" smtClean="0">
+                <a:solidFill>
+                  <a:sysClr val="windowText" lastClr="000000"/>
+                </a:solidFill>
+              </a:rPr>
+              <a:t>int</a:t>
+            </a:r>
+            <a:r>
+              <a:rPr lang="en-US" altLang="ko-KR" sz="1600" i="1" dirty="0" smtClean="0">
+                <a:solidFill>
+                  <a:sysClr val="windowText" lastClr="000000"/>
+                </a:solidFill>
+              </a:rPr>
+              <a:t> n2)</a:t>
+            </a:r>
+          </a:p>
+          <a:p>
+            <a:pPr algn="ctr"/>
+            <a:r>
+              <a:rPr lang="en-US" altLang="ko-KR" sz="1600" i="1" dirty="0" err="1">
+                <a:solidFill>
+                  <a:sysClr val="windowText" lastClr="000000"/>
+                </a:solidFill>
+              </a:rPr>
+              <a:t>int</a:t>
+            </a:r>
+            <a:r>
+              <a:rPr lang="en-US" altLang="ko-KR" sz="1600" i="1" dirty="0">
+                <a:solidFill>
+                  <a:sysClr val="windowText" lastClr="000000"/>
+                </a:solidFill>
+              </a:rPr>
+              <a:t> </a:t>
+            </a:r>
+            <a:r>
+              <a:rPr lang="en-US" altLang="ko-KR" sz="1600" i="1" dirty="0" smtClean="0">
+                <a:solidFill>
+                  <a:sysClr val="windowText" lastClr="000000"/>
+                </a:solidFill>
+              </a:rPr>
+              <a:t>subtract(</a:t>
+            </a:r>
+            <a:r>
+              <a:rPr lang="en-US" altLang="ko-KR" sz="1600" i="1" dirty="0" err="1" smtClean="0">
+                <a:solidFill>
+                  <a:sysClr val="windowText" lastClr="000000"/>
+                </a:solidFill>
+              </a:rPr>
+              <a:t>int</a:t>
+            </a:r>
+            <a:r>
+              <a:rPr lang="en-US" altLang="ko-KR" sz="1600" i="1" dirty="0" smtClean="0">
+                <a:solidFill>
+                  <a:sysClr val="windowText" lastClr="000000"/>
+                </a:solidFill>
+              </a:rPr>
+              <a:t> </a:t>
+            </a:r>
+            <a:r>
+              <a:rPr lang="en-US" altLang="ko-KR" sz="1600" i="1" dirty="0">
+                <a:solidFill>
+                  <a:sysClr val="windowText" lastClr="000000"/>
+                </a:solidFill>
+              </a:rPr>
+              <a:t>n1, </a:t>
+            </a:r>
+            <a:r>
+              <a:rPr lang="en-US" altLang="ko-KR" sz="1600" i="1" dirty="0" err="1">
+                <a:solidFill>
+                  <a:sysClr val="windowText" lastClr="000000"/>
+                </a:solidFill>
+              </a:rPr>
+              <a:t>int</a:t>
+            </a:r>
+            <a:r>
+              <a:rPr lang="en-US" altLang="ko-KR" sz="1600" i="1" dirty="0">
+                <a:solidFill>
+                  <a:sysClr val="windowText" lastClr="000000"/>
+                </a:solidFill>
+              </a:rPr>
+              <a:t> n2)</a:t>
+            </a:r>
+            <a:endParaRPr lang="ko-KR" altLang="en-US" sz="1600" i="1" dirty="0">
+              <a:solidFill>
+                <a:sysClr val="windowText" lastClr="000000"/>
+              </a:solidFill>
+            </a:endParaRPr>
+          </a:p>
+          <a:p>
+            <a:pPr algn="ctr"/>
+            <a:r>
+              <a:rPr lang="en-US" altLang="ko-KR" sz="1600" i="1" dirty="0" err="1">
+                <a:solidFill>
+                  <a:sysClr val="windowText" lastClr="000000"/>
+                </a:solidFill>
+              </a:rPr>
+              <a:t>int</a:t>
+            </a:r>
+            <a:r>
+              <a:rPr lang="en-US" altLang="ko-KR" sz="1600" i="1" dirty="0">
+                <a:solidFill>
+                  <a:sysClr val="windowText" lastClr="000000"/>
+                </a:solidFill>
+              </a:rPr>
+              <a:t> </a:t>
+            </a:r>
+            <a:r>
+              <a:rPr lang="en-US" altLang="ko-KR" sz="1600" i="1" dirty="0" smtClean="0">
+                <a:solidFill>
+                  <a:sysClr val="windowText" lastClr="000000"/>
+                </a:solidFill>
+              </a:rPr>
+              <a:t>times(</a:t>
+            </a:r>
+            <a:r>
+              <a:rPr lang="en-US" altLang="ko-KR" sz="1600" i="1" dirty="0" err="1" smtClean="0">
+                <a:solidFill>
+                  <a:sysClr val="windowText" lastClr="000000"/>
+                </a:solidFill>
+              </a:rPr>
+              <a:t>int</a:t>
+            </a:r>
+            <a:r>
+              <a:rPr lang="en-US" altLang="ko-KR" sz="1600" i="1" dirty="0" smtClean="0">
+                <a:solidFill>
+                  <a:sysClr val="windowText" lastClr="000000"/>
+                </a:solidFill>
+              </a:rPr>
+              <a:t> </a:t>
+            </a:r>
+            <a:r>
+              <a:rPr lang="en-US" altLang="ko-KR" sz="1600" i="1" dirty="0">
+                <a:solidFill>
+                  <a:sysClr val="windowText" lastClr="000000"/>
+                </a:solidFill>
+              </a:rPr>
+              <a:t>n1, </a:t>
+            </a:r>
+            <a:r>
+              <a:rPr lang="en-US" altLang="ko-KR" sz="1600" i="1" dirty="0" err="1">
+                <a:solidFill>
+                  <a:sysClr val="windowText" lastClr="000000"/>
+                </a:solidFill>
+              </a:rPr>
+              <a:t>int</a:t>
+            </a:r>
+            <a:r>
+              <a:rPr lang="en-US" altLang="ko-KR" sz="1600" i="1" dirty="0">
+                <a:solidFill>
+                  <a:sysClr val="windowText" lastClr="000000"/>
+                </a:solidFill>
+              </a:rPr>
+              <a:t> n2)</a:t>
+            </a:r>
+            <a:endParaRPr lang="ko-KR" altLang="en-US" sz="1600" i="1" dirty="0">
+              <a:solidFill>
+                <a:sysClr val="windowText" lastClr="000000"/>
+              </a:solidFill>
+            </a:endParaRPr>
+          </a:p>
+          <a:p>
+            <a:pPr algn="ctr">
+              <a:lnSpc>
+                <a:spcPct val="150000"/>
+              </a:lnSpc>
+            </a:pPr>
+            <a:r>
+              <a:rPr lang="en-US" altLang="ko-KR" sz="1600" i="1" dirty="0" err="1" smtClean="0">
+                <a:solidFill>
+                  <a:sysClr val="windowText" lastClr="000000"/>
+                </a:solidFill>
+              </a:rPr>
+              <a:t>int</a:t>
+            </a:r>
+            <a:r>
+              <a:rPr lang="en-US" altLang="ko-KR" sz="1600" i="1" dirty="0" smtClean="0">
+                <a:solidFill>
+                  <a:sysClr val="windowText" lastClr="000000"/>
+                </a:solidFill>
+              </a:rPr>
+              <a:t> divide(</a:t>
+            </a:r>
+            <a:r>
+              <a:rPr lang="en-US" altLang="ko-KR" sz="1600" i="1" dirty="0" err="1" smtClean="0">
+                <a:solidFill>
+                  <a:sysClr val="windowText" lastClr="000000"/>
+                </a:solidFill>
+              </a:rPr>
+              <a:t>int</a:t>
+            </a:r>
+            <a:r>
+              <a:rPr lang="en-US" altLang="ko-KR" sz="1600" i="1" dirty="0" smtClean="0">
+                <a:solidFill>
+                  <a:sysClr val="windowText" lastClr="000000"/>
+                </a:solidFill>
+              </a:rPr>
+              <a:t> </a:t>
+            </a:r>
+            <a:r>
+              <a:rPr lang="en-US" altLang="ko-KR" sz="1600" i="1" dirty="0">
+                <a:solidFill>
+                  <a:sysClr val="windowText" lastClr="000000"/>
+                </a:solidFill>
+              </a:rPr>
+              <a:t>n1, </a:t>
+            </a:r>
+            <a:r>
+              <a:rPr lang="en-US" altLang="ko-KR" sz="1600" i="1" dirty="0" err="1">
+                <a:solidFill>
+                  <a:sysClr val="windowText" lastClr="000000"/>
+                </a:solidFill>
+              </a:rPr>
+              <a:t>int</a:t>
+            </a:r>
+            <a:r>
+              <a:rPr lang="en-US" altLang="ko-KR" sz="1600" i="1" dirty="0">
+                <a:solidFill>
+                  <a:sysClr val="windowText" lastClr="000000"/>
+                </a:solidFill>
+              </a:rPr>
+              <a:t> n2)</a:t>
+            </a:r>
+            <a:endParaRPr lang="ko-KR" altLang="en-US" sz="1600" i="1" dirty="0">
+              <a:solidFill>
+                <a:sysClr val="windowText" lastClr="000000"/>
+              </a:solidFill>
+            </a:endParaRPr>
+          </a:p>
+          <a:p>
+            <a:pPr algn="ctr"/>
+            <a:endParaRPr lang="ko-KR" altLang="en-US" sz="1600" i="1" dirty="0">
+              <a:solidFill>
+                <a:sysClr val="windowText" lastClr="000000"/>
+              </a:solidFill>
+            </a:endParaRPr>
+          </a:p>
+        </p:txBody>
+      </p:sp>
+      <p:sp>
+        <p:nvSpPr>
+          <p:cNvPr id="34" name="직사각형 33"/>
+          <p:cNvSpPr/>
+          <p:nvPr/>
+        </p:nvSpPr>
+        <p:spPr>
+          <a:xfrm>
+            <a:off x="6249144" y="2826420"/>
+            <a:ext cx="1800200" cy="754441"/>
+          </a:xfrm>
+          <a:prstGeom prst="rect">
+            <a:avLst/>
+          </a:prstGeom>
+          <a:noFill/>
+          <a:ln w="12700"/>
+        </p:spPr>
+        <p:style>
+          <a:lnRef idx="2">
+            <a:schemeClr val="accent1">
+              <a:shade val="50000"/>
+            </a:schemeClr>
+          </a:lnRef>
+          <a:fillRef idx="1">
+            <a:schemeClr val="accent1"/>
+          </a:fillRef>
+          <a:effectRef idx="0">
+            <a:schemeClr val="accent1"/>
+          </a:effectRef>
+          <a:fontRef idx="minor">
+            <a:schemeClr val="lt1"/>
+          </a:fontRef>
+        </p:style>
+        <p:txBody>
+          <a:bodyPr rtlCol="0" anchor="ctr"/>
+          <a:lstStyle/>
+          <a:p>
+            <a:pPr algn="ctr"/>
+            <a:r>
+              <a:rPr lang="en-US" altLang="ko-KR" dirty="0" err="1" smtClean="0">
+                <a:solidFill>
+                  <a:sysClr val="windowText" lastClr="000000"/>
+                </a:solidFill>
+              </a:rPr>
+              <a:t>MyCalculator</a:t>
+            </a:r>
+            <a:endParaRPr lang="en-US" altLang="ko-KR" dirty="0" smtClean="0">
+              <a:solidFill>
+                <a:sysClr val="windowText" lastClr="000000"/>
+              </a:solidFill>
+            </a:endParaRPr>
+          </a:p>
+        </p:txBody>
+      </p:sp>
+    </p:spTree>
+    <p:extLst>
+      <p:ext uri="{BB962C8B-B14F-4D97-AF65-F5344CB8AC3E}">
+        <p14:creationId xmlns:p14="http://schemas.microsoft.com/office/powerpoint/2010/main" val="209207874"/>
+      </p:ext>
+    </p:extLst>
+  </p:cSld>
+  <p:clrMapOvr>
+    <a:masterClrMapping/>
+  </p:clrMapOvr>
+  <p:timing>
+    <p:tnLst>
+      <p:par>
+        <p:cTn id="1" dur="indefinite" restart="never" nodeType="tmRoot"/>
+      </p:par>
+    </p:tnLst>
+  </p:timing>
+</p:sld>
+</file>
+
+<file path=ppt/slides/slide40.xml><?xml version="1.0" encoding="utf-8"?>
+<p:sld xmlns:a="http://schemas.openxmlformats.org/drawingml/2006/main" xmlns:r="http://schemas.openxmlformats.org/officeDocument/2006/relationships" xmlns:p="http://schemas.openxmlformats.org/presentationml/2006/main">
+  <p:cSld>
+    <p:spTree>
+      <p:nvGrpSpPr>
+        <p:cNvPr id="1" name=""/>
+        <p:cNvGrpSpPr/>
+        <p:nvPr/>
+      </p:nvGrpSpPr>
+      <p:grpSpPr>
+        <a:xfrm>
+          <a:off x="0" y="0"/>
+          <a:ext cx="0" cy="0"/>
+          <a:chOff x="0" y="0"/>
+          <a:chExt cx="0" cy="0"/>
+        </a:xfrm>
+      </p:grpSpPr>
+      <p:sp>
+        <p:nvSpPr>
+          <p:cNvPr id="6" name="제목 5"/>
+          <p:cNvSpPr>
+            <a:spLocks noGrp="1"/>
+          </p:cNvSpPr>
+          <p:nvPr>
+            <p:ph type="title"/>
+          </p:nvPr>
+        </p:nvSpPr>
+        <p:spPr/>
+        <p:txBody>
+          <a:bodyPr/>
+          <a:lstStyle/>
+          <a:p>
+            <a:r>
+              <a:rPr lang="en-US" altLang="ko-KR" dirty="0" smtClean="0"/>
+              <a:t> </a:t>
+            </a:r>
+            <a:r>
+              <a:rPr lang="ko-KR" altLang="en-US" dirty="0" smtClean="0"/>
+              <a:t>인터페이스 상속</a:t>
+            </a:r>
+            <a:endParaRPr lang="ko-KR" altLang="en-US" dirty="0"/>
+          </a:p>
+        </p:txBody>
+      </p:sp>
+      <p:sp>
+        <p:nvSpPr>
+          <p:cNvPr id="5" name="슬라이드 번호 개체 틀 4"/>
+          <p:cNvSpPr>
+            <a:spLocks noGrp="1"/>
+          </p:cNvSpPr>
+          <p:nvPr>
+            <p:ph type="sldNum" sz="quarter" idx="12"/>
+          </p:nvPr>
+        </p:nvSpPr>
+        <p:spPr>
+          <a:xfrm>
+            <a:off x="8853433" y="7312347"/>
+            <a:ext cx="557267" cy="365125"/>
+          </a:xfrm>
+        </p:spPr>
+        <p:txBody>
+          <a:bodyPr/>
+          <a:lstStyle/>
+          <a:p>
+            <a:fld id="{1BDE3FE7-3AEA-4B05-AC5A-802D1816ACF0}" type="slidenum">
+              <a:rPr lang="ko-KR" altLang="en-US" smtClean="0"/>
+              <a:t>40</a:t>
+            </a:fld>
+            <a:endParaRPr lang="ko-KR" altLang="en-US"/>
+          </a:p>
+        </p:txBody>
+      </p:sp>
+      <p:pic>
+        <p:nvPicPr>
+          <p:cNvPr id="3" name="그림 2"/>
+          <p:cNvPicPr>
+            <a:picLocks noChangeAspect="1"/>
+          </p:cNvPicPr>
+          <p:nvPr/>
+        </p:nvPicPr>
+        <p:blipFill>
+          <a:blip r:embed="rId2">
+            <a:extLst>
+              <a:ext uri="{28A0092B-C50C-407E-A947-70E740481C1C}">
+                <a14:useLocalDpi xmlns:a14="http://schemas.microsoft.com/office/drawing/2010/main" val="0"/>
+              </a:ext>
+            </a:extLst>
+          </a:blip>
+          <a:stretch>
+            <a:fillRect/>
+          </a:stretch>
+        </p:blipFill>
+        <p:spPr>
+          <a:xfrm>
+            <a:off x="1928664" y="1556792"/>
+            <a:ext cx="5599595" cy="3672408"/>
+          </a:xfrm>
+          <a:prstGeom prst="rect">
+            <a:avLst/>
+          </a:prstGeom>
+          <a:ln>
+            <a:solidFill>
+              <a:schemeClr val="bg1">
+                <a:lumMod val="85000"/>
+              </a:schemeClr>
+            </a:solidFill>
+          </a:ln>
+        </p:spPr>
+      </p:pic>
+    </p:spTree>
+    <p:extLst>
+      <p:ext uri="{BB962C8B-B14F-4D97-AF65-F5344CB8AC3E}">
+        <p14:creationId xmlns:p14="http://schemas.microsoft.com/office/powerpoint/2010/main" val="3930829137"/>
+      </p:ext>
+    </p:extLst>
+  </p:cSld>
+  <p:clrMapOvr>
+    <a:masterClrMapping/>
+  </p:clrMapOvr>
+  <p:timing>
+    <p:tnLst>
+      <p:par>
+        <p:cTn id="1" dur="indefinite" restart="never" nodeType="tmRoot"/>
+      </p:par>
+    </p:tnLst>
+  </p:timing>
+</p:sld>
+</file>
+
+<file path=ppt/slides/slide41.xml><?xml version="1.0" encoding="utf-8"?>
+<p:sld xmlns:a="http://schemas.openxmlformats.org/drawingml/2006/main" xmlns:r="http://schemas.openxmlformats.org/officeDocument/2006/relationships" xmlns:p="http://schemas.openxmlformats.org/presentationml/2006/main">
+  <p:cSld>
+    <p:spTree>
+      <p:nvGrpSpPr>
+        <p:cNvPr id="1" name=""/>
+        <p:cNvGrpSpPr/>
+        <p:nvPr/>
+      </p:nvGrpSpPr>
+      <p:grpSpPr>
+        <a:xfrm>
+          <a:off x="0" y="0"/>
+          <a:ext cx="0" cy="0"/>
+          <a:chOff x="0" y="0"/>
+          <a:chExt cx="0" cy="0"/>
+        </a:xfrm>
+      </p:grpSpPr>
+      <p:sp>
+        <p:nvSpPr>
+          <p:cNvPr id="6" name="제목 5"/>
+          <p:cNvSpPr>
+            <a:spLocks noGrp="1"/>
+          </p:cNvSpPr>
+          <p:nvPr>
+            <p:ph type="title"/>
+          </p:nvPr>
+        </p:nvSpPr>
+        <p:spPr/>
+        <p:txBody>
+          <a:bodyPr/>
+          <a:lstStyle/>
+          <a:p>
+            <a:r>
+              <a:rPr lang="en-US" altLang="ko-KR" dirty="0" smtClean="0"/>
+              <a:t> </a:t>
+            </a:r>
+            <a:r>
+              <a:rPr lang="ko-KR" altLang="en-US" dirty="0" smtClean="0"/>
+              <a:t>인터페이스 활용</a:t>
+            </a:r>
+            <a:endParaRPr lang="ko-KR" altLang="en-US" dirty="0"/>
+          </a:p>
+        </p:txBody>
+      </p:sp>
+      <p:sp>
+        <p:nvSpPr>
+          <p:cNvPr id="5" name="슬라이드 번호 개체 틀 4"/>
+          <p:cNvSpPr>
+            <a:spLocks noGrp="1"/>
+          </p:cNvSpPr>
+          <p:nvPr>
+            <p:ph type="sldNum" sz="quarter" idx="12"/>
+          </p:nvPr>
+        </p:nvSpPr>
+        <p:spPr>
+          <a:xfrm>
+            <a:off x="8853433" y="7312347"/>
+            <a:ext cx="557267" cy="365125"/>
+          </a:xfrm>
+        </p:spPr>
+        <p:txBody>
+          <a:bodyPr/>
+          <a:lstStyle/>
+          <a:p>
+            <a:fld id="{1BDE3FE7-3AEA-4B05-AC5A-802D1816ACF0}" type="slidenum">
+              <a:rPr lang="ko-KR" altLang="en-US" smtClean="0"/>
+              <a:t>41</a:t>
             </a:fld>
             <a:endParaRPr lang="ko-KR" altLang="en-US"/>
           </a:p>
@@ -23598,7 +24959,7 @@
 </p:sld>
 </file>
 
-<file path=ppt/slides/slide4.xml><?xml version="1.0" encoding="utf-8"?>
+<file path=ppt/slides/slide42.xml><?xml version="1.0" encoding="utf-8"?>
 <p:sld xmlns:a="http://schemas.openxmlformats.org/drawingml/2006/main" xmlns:r="http://schemas.openxmlformats.org/officeDocument/2006/relationships" xmlns:p="http://schemas.openxmlformats.org/presentationml/2006/main">
   <p:cSld>
     <p:spTree>
@@ -23636,11 +24997,7 @@
             </a:r>
             <a:r>
               <a:rPr lang="ko-KR" altLang="en-US" dirty="0" smtClean="0"/>
-              <a:t>인터페이스</a:t>
-            </a:r>
-            <a:r>
-              <a:rPr lang="en-US" altLang="ko-KR" dirty="0" smtClean="0"/>
-              <a:t>(Interface)</a:t>
+              <a:t>인터페이스 활용</a:t>
             </a:r>
             <a:endParaRPr lang="ko-KR" altLang="en-US" dirty="0"/>
           </a:p>
@@ -23668,899 +25025,7 @@
           <a:p>
             <a:fld id="{1BDE3FE7-3AEA-4B05-AC5A-802D1816ACF0}" type="slidenum">
               <a:rPr lang="ko-KR" altLang="en-US" smtClean="0"/>
-              <a:t>4</a:t>
-            </a:fld>
-            <a:endParaRPr lang="ko-KR" altLang="en-US"/>
-          </a:p>
-        </p:txBody>
-      </p:sp>
-      <p:sp>
-        <p:nvSpPr>
-          <p:cNvPr id="10" name="내용 개체 틀 2">
-            <a:extLst>
-              <a:ext uri="{FF2B5EF4-FFF2-40B4-BE49-F238E27FC236}">
-                <a16:creationId xmlns:a16="http://schemas.microsoft.com/office/drawing/2014/main" id="{98AF3A4E-7D90-4241-89FE-799D6F9D5A94}"/>
-              </a:ext>
-            </a:extLst>
-          </p:cNvPr>
-          <p:cNvSpPr txBox="1">
-            <a:spLocks/>
-          </p:cNvSpPr>
-          <p:nvPr/>
-        </p:nvSpPr>
-        <p:spPr>
-          <a:xfrm>
-            <a:off x="1058551" y="1196752"/>
-            <a:ext cx="5622641" cy="504056"/>
-          </a:xfrm>
-          <a:prstGeom prst="rect">
-            <a:avLst/>
-          </a:prstGeom>
-        </p:spPr>
-        <p:txBody>
-          <a:bodyPr/>
-          <a:lstStyle>
-            <a:lvl1pPr marL="228600" indent="-228600" algn="l" defTabSz="914400" rtl="0" eaLnBrk="1" latinLnBrk="1" hangingPunct="1">
-              <a:lnSpc>
-                <a:spcPct val="90000"/>
-              </a:lnSpc>
-              <a:spcBef>
-                <a:spcPts val="1000"/>
-              </a:spcBef>
-              <a:buFont typeface="Arial" panose="020B0604020202020204" pitchFamily="34" charset="0"/>
-              <a:buChar char="•"/>
-              <a:defRPr sz="2800" kern="1200">
-                <a:solidFill>
-                  <a:schemeClr val="tx1"/>
-                </a:solidFill>
-                <a:latin typeface="+mn-lt"/>
-                <a:ea typeface="+mn-ea"/>
-                <a:cs typeface="+mn-cs"/>
-              </a:defRPr>
-            </a:lvl1pPr>
-            <a:lvl2pPr marL="685800" indent="-228600" algn="l" defTabSz="914400" rtl="0" eaLnBrk="1" latinLnBrk="1" hangingPunct="1">
-              <a:lnSpc>
-                <a:spcPct val="90000"/>
-              </a:lnSpc>
-              <a:spcBef>
-                <a:spcPts val="500"/>
-              </a:spcBef>
-              <a:buFont typeface="Arial" panose="020B0604020202020204" pitchFamily="34" charset="0"/>
-              <a:buChar char="•"/>
-              <a:defRPr sz="2400" kern="1200">
-                <a:solidFill>
-                  <a:schemeClr val="tx1"/>
-                </a:solidFill>
-                <a:latin typeface="+mn-lt"/>
-                <a:ea typeface="+mn-ea"/>
-                <a:cs typeface="+mn-cs"/>
-              </a:defRPr>
-            </a:lvl2pPr>
-            <a:lvl3pPr marL="1143000" indent="-228600" algn="l" defTabSz="914400" rtl="0" eaLnBrk="1" latinLnBrk="1" hangingPunct="1">
-              <a:lnSpc>
-                <a:spcPct val="90000"/>
-              </a:lnSpc>
-              <a:spcBef>
-                <a:spcPts val="500"/>
-              </a:spcBef>
-              <a:buFont typeface="Arial" panose="020B0604020202020204" pitchFamily="34" charset="0"/>
-              <a:buChar char="•"/>
-              <a:defRPr sz="2000" kern="1200">
-                <a:solidFill>
-                  <a:schemeClr val="tx1"/>
-                </a:solidFill>
-                <a:latin typeface="+mn-lt"/>
-                <a:ea typeface="+mn-ea"/>
-                <a:cs typeface="+mn-cs"/>
-              </a:defRPr>
-            </a:lvl3pPr>
-            <a:lvl4pPr marL="1600200" indent="-228600" algn="l" defTabSz="914400" rtl="0" eaLnBrk="1" latinLnBrk="1" hangingPunct="1">
-              <a:lnSpc>
-                <a:spcPct val="90000"/>
-              </a:lnSpc>
-              <a:spcBef>
-                <a:spcPts val="500"/>
-              </a:spcBef>
-              <a:buFont typeface="Arial" panose="020B0604020202020204" pitchFamily="34" charset="0"/>
-              <a:buChar char="•"/>
-              <a:defRPr sz="1800" kern="1200">
-                <a:solidFill>
-                  <a:schemeClr val="tx1"/>
-                </a:solidFill>
-                <a:latin typeface="+mn-lt"/>
-                <a:ea typeface="+mn-ea"/>
-                <a:cs typeface="+mn-cs"/>
-              </a:defRPr>
-            </a:lvl4pPr>
-            <a:lvl5pPr marL="2057400" indent="-228600" algn="l" defTabSz="914400" rtl="0" eaLnBrk="1" latinLnBrk="1" hangingPunct="1">
-              <a:lnSpc>
-                <a:spcPct val="90000"/>
-              </a:lnSpc>
-              <a:spcBef>
-                <a:spcPts val="500"/>
-              </a:spcBef>
-              <a:buFont typeface="Arial" panose="020B0604020202020204" pitchFamily="34" charset="0"/>
-              <a:buChar char="•"/>
-              <a:defRPr sz="1800" kern="1200">
-                <a:solidFill>
-                  <a:schemeClr val="tx1"/>
-                </a:solidFill>
-                <a:latin typeface="+mn-lt"/>
-                <a:ea typeface="+mn-ea"/>
-                <a:cs typeface="+mn-cs"/>
-              </a:defRPr>
-            </a:lvl5pPr>
-            <a:lvl6pPr marL="2514600" indent="-228600" algn="l" defTabSz="914400" rtl="0" eaLnBrk="1" latinLnBrk="1" hangingPunct="1">
-              <a:lnSpc>
-                <a:spcPct val="90000"/>
-              </a:lnSpc>
-              <a:spcBef>
-                <a:spcPts val="500"/>
-              </a:spcBef>
-              <a:buFont typeface="Arial" panose="020B0604020202020204" pitchFamily="34" charset="0"/>
-              <a:buChar char="•"/>
-              <a:defRPr sz="1800" kern="1200">
-                <a:solidFill>
-                  <a:schemeClr val="tx1"/>
-                </a:solidFill>
-                <a:latin typeface="+mn-lt"/>
-                <a:ea typeface="+mn-ea"/>
-                <a:cs typeface="+mn-cs"/>
-              </a:defRPr>
-            </a:lvl6pPr>
-            <a:lvl7pPr marL="2971800" indent="-228600" algn="l" defTabSz="914400" rtl="0" eaLnBrk="1" latinLnBrk="1" hangingPunct="1">
-              <a:lnSpc>
-                <a:spcPct val="90000"/>
-              </a:lnSpc>
-              <a:spcBef>
-                <a:spcPts val="500"/>
-              </a:spcBef>
-              <a:buFont typeface="Arial" panose="020B0604020202020204" pitchFamily="34" charset="0"/>
-              <a:buChar char="•"/>
-              <a:defRPr sz="1800" kern="1200">
-                <a:solidFill>
-                  <a:schemeClr val="tx1"/>
-                </a:solidFill>
-                <a:latin typeface="+mn-lt"/>
-                <a:ea typeface="+mn-ea"/>
-                <a:cs typeface="+mn-cs"/>
-              </a:defRPr>
-            </a:lvl7pPr>
-            <a:lvl8pPr marL="3429000" indent="-228600" algn="l" defTabSz="914400" rtl="0" eaLnBrk="1" latinLnBrk="1" hangingPunct="1">
-              <a:lnSpc>
-                <a:spcPct val="90000"/>
-              </a:lnSpc>
-              <a:spcBef>
-                <a:spcPts val="500"/>
-              </a:spcBef>
-              <a:buFont typeface="Arial" panose="020B0604020202020204" pitchFamily="34" charset="0"/>
-              <a:buChar char="•"/>
-              <a:defRPr sz="1800" kern="1200">
-                <a:solidFill>
-                  <a:schemeClr val="tx1"/>
-                </a:solidFill>
-                <a:latin typeface="+mn-lt"/>
-                <a:ea typeface="+mn-ea"/>
-                <a:cs typeface="+mn-cs"/>
-              </a:defRPr>
-            </a:lvl8pPr>
-            <a:lvl9pPr marL="3886200" indent="-228600" algn="l" defTabSz="914400" rtl="0" eaLnBrk="1" latinLnBrk="1" hangingPunct="1">
-              <a:lnSpc>
-                <a:spcPct val="90000"/>
-              </a:lnSpc>
-              <a:spcBef>
-                <a:spcPts val="500"/>
-              </a:spcBef>
-              <a:buFont typeface="Arial" panose="020B0604020202020204" pitchFamily="34" charset="0"/>
-              <a:buChar char="•"/>
-              <a:defRPr sz="1800" kern="1200">
-                <a:solidFill>
-                  <a:schemeClr val="tx1"/>
-                </a:solidFill>
-                <a:latin typeface="+mn-lt"/>
-                <a:ea typeface="+mn-ea"/>
-                <a:cs typeface="+mn-cs"/>
-              </a:defRPr>
-            </a:lvl9pPr>
-          </a:lstStyle>
-          <a:p>
-            <a:pPr>
-              <a:lnSpc>
-                <a:spcPct val="150000"/>
-              </a:lnSpc>
-              <a:buFont typeface="Wingdings" panose="05000000000000000000" pitchFamily="2" charset="2"/>
-              <a:buChar char="§"/>
-            </a:pPr>
-            <a:r>
-              <a:rPr lang="ko-KR" altLang="en-US" sz="2000" b="1" dirty="0" smtClean="0">
-                <a:solidFill>
-                  <a:srgbClr val="C00000"/>
-                </a:solidFill>
-              </a:rPr>
-              <a:t>정수형 계산기를 인터페이스로 구현하기</a:t>
-            </a:r>
-            <a:endParaRPr lang="en-US" altLang="ko-KR" sz="2000" b="1" dirty="0">
-              <a:solidFill>
-                <a:srgbClr val="C00000"/>
-              </a:solidFill>
-            </a:endParaRPr>
-          </a:p>
-          <a:p>
-            <a:pPr marL="457200" lvl="1" indent="0">
-              <a:lnSpc>
-                <a:spcPct val="100000"/>
-              </a:lnSpc>
-              <a:buNone/>
-            </a:pPr>
-            <a:endParaRPr lang="en-US" altLang="ko-KR" sz="2000" b="1" dirty="0" smtClean="0">
-              <a:solidFill>
-                <a:srgbClr val="C00000"/>
-              </a:solidFill>
-            </a:endParaRPr>
-          </a:p>
-        </p:txBody>
-      </p:sp>
-      <p:grpSp>
-        <p:nvGrpSpPr>
-          <p:cNvPr id="18" name="그룹 17"/>
-          <p:cNvGrpSpPr/>
-          <p:nvPr/>
-        </p:nvGrpSpPr>
-        <p:grpSpPr>
-          <a:xfrm>
-            <a:off x="4788520" y="3082694"/>
-            <a:ext cx="1244600" cy="135636"/>
-            <a:chOff x="7617297" y="4088181"/>
-            <a:chExt cx="605520" cy="130282"/>
-          </a:xfrm>
-        </p:grpSpPr>
-        <p:sp>
-          <p:nvSpPr>
-            <p:cNvPr id="19" name="이등변 삼각형 18">
-              <a:extLst>
-                <a:ext uri="{FF2B5EF4-FFF2-40B4-BE49-F238E27FC236}">
-                  <a16:creationId xmlns:a16="http://schemas.microsoft.com/office/drawing/2014/main" id="{A928C65B-0F62-4DFC-9220-DF40E5958238}"/>
-                </a:ext>
-              </a:extLst>
-            </p:cNvPr>
-            <p:cNvSpPr/>
-            <p:nvPr/>
-          </p:nvSpPr>
-          <p:spPr>
-            <a:xfrm rot="16200000">
-              <a:off x="7611916" y="4093562"/>
-              <a:ext cx="130282" cy="119519"/>
-            </a:xfrm>
-            <a:prstGeom prst="triangle">
-              <a:avLst/>
-            </a:prstGeom>
-            <a:ln w="12700"/>
-          </p:spPr>
-          <p:style>
-            <a:lnRef idx="2">
-              <a:schemeClr val="accent5"/>
-            </a:lnRef>
-            <a:fillRef idx="1">
-              <a:schemeClr val="lt1"/>
-            </a:fillRef>
-            <a:effectRef idx="0">
-              <a:schemeClr val="accent5"/>
-            </a:effectRef>
-            <a:fontRef idx="minor">
-              <a:schemeClr val="dk1"/>
-            </a:fontRef>
-          </p:style>
-          <p:txBody>
-            <a:bodyPr rtlCol="0" anchor="ctr"/>
-            <a:lstStyle/>
-            <a:p>
-              <a:pPr algn="ctr"/>
-              <a:endParaRPr lang="ko-KR" altLang="en-US" sz="1600"/>
-            </a:p>
-          </p:txBody>
-        </p:sp>
-        <p:cxnSp>
-          <p:nvCxnSpPr>
-            <p:cNvPr id="23" name="직선 연결선 22">
-              <a:extLst>
-                <a:ext uri="{FF2B5EF4-FFF2-40B4-BE49-F238E27FC236}">
-                  <a16:creationId xmlns:a16="http://schemas.microsoft.com/office/drawing/2014/main" id="{D15E6F92-B9C8-4563-8C4E-646F583209B9}"/>
-                </a:ext>
-              </a:extLst>
-            </p:cNvPr>
-            <p:cNvCxnSpPr>
-              <a:cxnSpLocks/>
-            </p:cNvCxnSpPr>
-            <p:nvPr/>
-          </p:nvCxnSpPr>
-          <p:spPr>
-            <a:xfrm rot="16200000">
-              <a:off x="7979817" y="3912384"/>
-              <a:ext cx="0" cy="486000"/>
-            </a:xfrm>
-            <a:prstGeom prst="line">
-              <a:avLst/>
-            </a:prstGeom>
-            <a:ln w="19050">
-              <a:prstDash val="sysDash"/>
-            </a:ln>
-          </p:spPr>
-          <p:style>
-            <a:lnRef idx="2">
-              <a:schemeClr val="accent5"/>
-            </a:lnRef>
-            <a:fillRef idx="1">
-              <a:schemeClr val="lt1"/>
-            </a:fillRef>
-            <a:effectRef idx="0">
-              <a:schemeClr val="accent5"/>
-            </a:effectRef>
-            <a:fontRef idx="minor">
-              <a:schemeClr val="dk1"/>
-            </a:fontRef>
-          </p:style>
-        </p:cxnSp>
-      </p:grpSp>
-      <p:sp>
-        <p:nvSpPr>
-          <p:cNvPr id="27" name="TextBox 26"/>
-          <p:cNvSpPr txBox="1"/>
-          <p:nvPr/>
-        </p:nvSpPr>
-        <p:spPr>
-          <a:xfrm>
-            <a:off x="4738180" y="2420888"/>
-            <a:ext cx="1360150" cy="584775"/>
-          </a:xfrm>
-          <a:prstGeom prst="rect">
-            <a:avLst/>
-          </a:prstGeom>
-          <a:noFill/>
-        </p:spPr>
-        <p:txBody>
-          <a:bodyPr wrap="square" rtlCol="0">
-            <a:spAutoFit/>
-          </a:bodyPr>
-          <a:lstStyle/>
-          <a:p>
-            <a:r>
-              <a:rPr lang="ko-KR" altLang="en-US" sz="1600" dirty="0" smtClean="0"/>
-              <a:t>     구현</a:t>
-            </a:r>
-            <a:endParaRPr lang="en-US" altLang="ko-KR" sz="1600" dirty="0" smtClean="0"/>
-          </a:p>
-          <a:p>
-            <a:r>
-              <a:rPr lang="en-US" altLang="ko-KR" sz="1600" dirty="0" smtClean="0"/>
-              <a:t>(implements)</a:t>
-            </a:r>
-            <a:endParaRPr lang="ko-KR" altLang="en-US" sz="1600" dirty="0"/>
-          </a:p>
-        </p:txBody>
-      </p:sp>
-      <p:sp>
-        <p:nvSpPr>
-          <p:cNvPr id="32" name="직사각형 31"/>
-          <p:cNvSpPr/>
-          <p:nvPr/>
-        </p:nvSpPr>
-        <p:spPr>
-          <a:xfrm>
-            <a:off x="1526498" y="2132856"/>
-            <a:ext cx="2850438" cy="721821"/>
-          </a:xfrm>
-          <a:prstGeom prst="rect">
-            <a:avLst/>
-          </a:prstGeom>
-          <a:noFill/>
-          <a:ln w="12700"/>
-        </p:spPr>
-        <p:style>
-          <a:lnRef idx="2">
-            <a:schemeClr val="accent1">
-              <a:shade val="50000"/>
-            </a:schemeClr>
-          </a:lnRef>
-          <a:fillRef idx="1">
-            <a:schemeClr val="accent1"/>
-          </a:fillRef>
-          <a:effectRef idx="0">
-            <a:schemeClr val="accent1"/>
-          </a:effectRef>
-          <a:fontRef idx="minor">
-            <a:schemeClr val="lt1"/>
-          </a:fontRef>
-        </p:style>
-        <p:txBody>
-          <a:bodyPr rtlCol="0" anchor="ctr"/>
-          <a:lstStyle/>
-          <a:p>
-            <a:pPr algn="ctr"/>
-            <a:r>
-              <a:rPr lang="en-US" altLang="ko-KR" i="1" dirty="0" smtClean="0">
-                <a:solidFill>
-                  <a:sysClr val="windowText" lastClr="000000"/>
-                </a:solidFill>
-              </a:rPr>
-              <a:t>&lt;&lt;interface&gt;&gt;</a:t>
-            </a:r>
-          </a:p>
-          <a:p>
-            <a:pPr algn="ctr"/>
-            <a:r>
-              <a:rPr lang="en-US" altLang="ko-KR" i="1" dirty="0" smtClean="0">
-                <a:solidFill>
-                  <a:sysClr val="windowText" lastClr="000000"/>
-                </a:solidFill>
-              </a:rPr>
-              <a:t>Calculator</a:t>
-            </a:r>
-            <a:endParaRPr lang="ko-KR" altLang="en-US" i="1" dirty="0">
-              <a:solidFill>
-                <a:sysClr val="windowText" lastClr="000000"/>
-              </a:solidFill>
-            </a:endParaRPr>
-          </a:p>
-        </p:txBody>
-      </p:sp>
-      <p:sp>
-        <p:nvSpPr>
-          <p:cNvPr id="33" name="직사각형 32"/>
-          <p:cNvSpPr/>
-          <p:nvPr/>
-        </p:nvSpPr>
-        <p:spPr>
-          <a:xfrm>
-            <a:off x="1526498" y="2854677"/>
-            <a:ext cx="2850438" cy="1674136"/>
-          </a:xfrm>
-          <a:prstGeom prst="rect">
-            <a:avLst/>
-          </a:prstGeom>
-          <a:noFill/>
-          <a:ln w="12700"/>
-        </p:spPr>
-        <p:style>
-          <a:lnRef idx="2">
-            <a:schemeClr val="accent1">
-              <a:shade val="50000"/>
-            </a:schemeClr>
-          </a:lnRef>
-          <a:fillRef idx="1">
-            <a:schemeClr val="accent1"/>
-          </a:fillRef>
-          <a:effectRef idx="0">
-            <a:schemeClr val="accent1"/>
-          </a:effectRef>
-          <a:fontRef idx="minor">
-            <a:schemeClr val="lt1"/>
-          </a:fontRef>
-        </p:style>
-        <p:txBody>
-          <a:bodyPr rtlCol="0" anchor="ctr"/>
-          <a:lstStyle/>
-          <a:p>
-            <a:pPr algn="ctr"/>
-            <a:r>
-              <a:rPr lang="en-US" altLang="ko-KR" sz="1600" i="1" dirty="0" err="1">
-                <a:solidFill>
-                  <a:sysClr val="windowText" lastClr="000000"/>
-                </a:solidFill>
-              </a:rPr>
-              <a:t>i</a:t>
-            </a:r>
-            <a:r>
-              <a:rPr lang="en-US" altLang="ko-KR" sz="1600" i="1" dirty="0" err="1" smtClean="0">
-                <a:solidFill>
-                  <a:sysClr val="windowText" lastClr="000000"/>
-                </a:solidFill>
-              </a:rPr>
-              <a:t>nt</a:t>
-            </a:r>
-            <a:r>
-              <a:rPr lang="en-US" altLang="ko-KR" sz="1600" i="1" dirty="0" smtClean="0">
-                <a:solidFill>
-                  <a:sysClr val="windowText" lastClr="000000"/>
-                </a:solidFill>
-              </a:rPr>
-              <a:t> add(</a:t>
-            </a:r>
-            <a:r>
-              <a:rPr lang="en-US" altLang="ko-KR" sz="1600" i="1" dirty="0" err="1" smtClean="0">
-                <a:solidFill>
-                  <a:sysClr val="windowText" lastClr="000000"/>
-                </a:solidFill>
-              </a:rPr>
-              <a:t>int</a:t>
-            </a:r>
-            <a:r>
-              <a:rPr lang="en-US" altLang="ko-KR" sz="1600" i="1" dirty="0" smtClean="0">
-                <a:solidFill>
-                  <a:sysClr val="windowText" lastClr="000000"/>
-                </a:solidFill>
-              </a:rPr>
-              <a:t> n1, </a:t>
-            </a:r>
-            <a:r>
-              <a:rPr lang="en-US" altLang="ko-KR" sz="1600" i="1" dirty="0" err="1" smtClean="0">
-                <a:solidFill>
-                  <a:sysClr val="windowText" lastClr="000000"/>
-                </a:solidFill>
-              </a:rPr>
-              <a:t>int</a:t>
-            </a:r>
-            <a:r>
-              <a:rPr lang="en-US" altLang="ko-KR" sz="1600" i="1" dirty="0" smtClean="0">
-                <a:solidFill>
-                  <a:sysClr val="windowText" lastClr="000000"/>
-                </a:solidFill>
-              </a:rPr>
-              <a:t> n2)</a:t>
-            </a:r>
-          </a:p>
-          <a:p>
-            <a:pPr algn="ctr"/>
-            <a:r>
-              <a:rPr lang="en-US" altLang="ko-KR" sz="1600" i="1" dirty="0" err="1">
-                <a:solidFill>
-                  <a:sysClr val="windowText" lastClr="000000"/>
-                </a:solidFill>
-              </a:rPr>
-              <a:t>int</a:t>
-            </a:r>
-            <a:r>
-              <a:rPr lang="en-US" altLang="ko-KR" sz="1600" i="1" dirty="0">
-                <a:solidFill>
-                  <a:sysClr val="windowText" lastClr="000000"/>
-                </a:solidFill>
-              </a:rPr>
-              <a:t> </a:t>
-            </a:r>
-            <a:r>
-              <a:rPr lang="en-US" altLang="ko-KR" sz="1600" i="1" dirty="0" smtClean="0">
-                <a:solidFill>
-                  <a:sysClr val="windowText" lastClr="000000"/>
-                </a:solidFill>
-              </a:rPr>
-              <a:t>subtract(</a:t>
-            </a:r>
-            <a:r>
-              <a:rPr lang="en-US" altLang="ko-KR" sz="1600" i="1" dirty="0" err="1" smtClean="0">
-                <a:solidFill>
-                  <a:sysClr val="windowText" lastClr="000000"/>
-                </a:solidFill>
-              </a:rPr>
-              <a:t>int</a:t>
-            </a:r>
-            <a:r>
-              <a:rPr lang="en-US" altLang="ko-KR" sz="1600" i="1" dirty="0" smtClean="0">
-                <a:solidFill>
-                  <a:sysClr val="windowText" lastClr="000000"/>
-                </a:solidFill>
-              </a:rPr>
-              <a:t> </a:t>
-            </a:r>
-            <a:r>
-              <a:rPr lang="en-US" altLang="ko-KR" sz="1600" i="1" dirty="0">
-                <a:solidFill>
-                  <a:sysClr val="windowText" lastClr="000000"/>
-                </a:solidFill>
-              </a:rPr>
-              <a:t>n1, </a:t>
-            </a:r>
-            <a:r>
-              <a:rPr lang="en-US" altLang="ko-KR" sz="1600" i="1" dirty="0" err="1">
-                <a:solidFill>
-                  <a:sysClr val="windowText" lastClr="000000"/>
-                </a:solidFill>
-              </a:rPr>
-              <a:t>int</a:t>
-            </a:r>
-            <a:r>
-              <a:rPr lang="en-US" altLang="ko-KR" sz="1600" i="1" dirty="0">
-                <a:solidFill>
-                  <a:sysClr val="windowText" lastClr="000000"/>
-                </a:solidFill>
-              </a:rPr>
-              <a:t> n2)</a:t>
-            </a:r>
-            <a:endParaRPr lang="ko-KR" altLang="en-US" sz="1600" i="1" dirty="0">
-              <a:solidFill>
-                <a:sysClr val="windowText" lastClr="000000"/>
-              </a:solidFill>
-            </a:endParaRPr>
-          </a:p>
-          <a:p>
-            <a:pPr algn="ctr"/>
-            <a:r>
-              <a:rPr lang="en-US" altLang="ko-KR" sz="1600" i="1" dirty="0" err="1">
-                <a:solidFill>
-                  <a:sysClr val="windowText" lastClr="000000"/>
-                </a:solidFill>
-              </a:rPr>
-              <a:t>int</a:t>
-            </a:r>
-            <a:r>
-              <a:rPr lang="en-US" altLang="ko-KR" sz="1600" i="1" dirty="0">
-                <a:solidFill>
-                  <a:sysClr val="windowText" lastClr="000000"/>
-                </a:solidFill>
-              </a:rPr>
-              <a:t> </a:t>
-            </a:r>
-            <a:r>
-              <a:rPr lang="en-US" altLang="ko-KR" sz="1600" i="1" dirty="0" smtClean="0">
-                <a:solidFill>
-                  <a:sysClr val="windowText" lastClr="000000"/>
-                </a:solidFill>
-              </a:rPr>
-              <a:t>times(</a:t>
-            </a:r>
-            <a:r>
-              <a:rPr lang="en-US" altLang="ko-KR" sz="1600" i="1" dirty="0" err="1" smtClean="0">
-                <a:solidFill>
-                  <a:sysClr val="windowText" lastClr="000000"/>
-                </a:solidFill>
-              </a:rPr>
-              <a:t>int</a:t>
-            </a:r>
-            <a:r>
-              <a:rPr lang="en-US" altLang="ko-KR" sz="1600" i="1" dirty="0" smtClean="0">
-                <a:solidFill>
-                  <a:sysClr val="windowText" lastClr="000000"/>
-                </a:solidFill>
-              </a:rPr>
-              <a:t> </a:t>
-            </a:r>
-            <a:r>
-              <a:rPr lang="en-US" altLang="ko-KR" sz="1600" i="1" dirty="0">
-                <a:solidFill>
-                  <a:sysClr val="windowText" lastClr="000000"/>
-                </a:solidFill>
-              </a:rPr>
-              <a:t>n1, </a:t>
-            </a:r>
-            <a:r>
-              <a:rPr lang="en-US" altLang="ko-KR" sz="1600" i="1" dirty="0" err="1">
-                <a:solidFill>
-                  <a:sysClr val="windowText" lastClr="000000"/>
-                </a:solidFill>
-              </a:rPr>
-              <a:t>int</a:t>
-            </a:r>
-            <a:r>
-              <a:rPr lang="en-US" altLang="ko-KR" sz="1600" i="1" dirty="0">
-                <a:solidFill>
-                  <a:sysClr val="windowText" lastClr="000000"/>
-                </a:solidFill>
-              </a:rPr>
-              <a:t> n2)</a:t>
-            </a:r>
-            <a:endParaRPr lang="ko-KR" altLang="en-US" sz="1600" i="1" dirty="0">
-              <a:solidFill>
-                <a:sysClr val="windowText" lastClr="000000"/>
-              </a:solidFill>
-            </a:endParaRPr>
-          </a:p>
-          <a:p>
-            <a:pPr algn="ctr">
-              <a:lnSpc>
-                <a:spcPct val="150000"/>
-              </a:lnSpc>
-            </a:pPr>
-            <a:r>
-              <a:rPr lang="en-US" altLang="ko-KR" sz="1600" i="1" dirty="0" err="1" smtClean="0">
-                <a:solidFill>
-                  <a:sysClr val="windowText" lastClr="000000"/>
-                </a:solidFill>
-              </a:rPr>
-              <a:t>int</a:t>
-            </a:r>
-            <a:r>
-              <a:rPr lang="en-US" altLang="ko-KR" sz="1600" i="1" dirty="0" smtClean="0">
-                <a:solidFill>
-                  <a:sysClr val="windowText" lastClr="000000"/>
-                </a:solidFill>
-              </a:rPr>
-              <a:t> divide(</a:t>
-            </a:r>
-            <a:r>
-              <a:rPr lang="en-US" altLang="ko-KR" sz="1600" i="1" dirty="0" err="1" smtClean="0">
-                <a:solidFill>
-                  <a:sysClr val="windowText" lastClr="000000"/>
-                </a:solidFill>
-              </a:rPr>
-              <a:t>int</a:t>
-            </a:r>
-            <a:r>
-              <a:rPr lang="en-US" altLang="ko-KR" sz="1600" i="1" dirty="0" smtClean="0">
-                <a:solidFill>
-                  <a:sysClr val="windowText" lastClr="000000"/>
-                </a:solidFill>
-              </a:rPr>
-              <a:t> </a:t>
-            </a:r>
-            <a:r>
-              <a:rPr lang="en-US" altLang="ko-KR" sz="1600" i="1" dirty="0">
-                <a:solidFill>
-                  <a:sysClr val="windowText" lastClr="000000"/>
-                </a:solidFill>
-              </a:rPr>
-              <a:t>n1, </a:t>
-            </a:r>
-            <a:r>
-              <a:rPr lang="en-US" altLang="ko-KR" sz="1600" i="1" dirty="0" err="1">
-                <a:solidFill>
-                  <a:sysClr val="windowText" lastClr="000000"/>
-                </a:solidFill>
-              </a:rPr>
-              <a:t>int</a:t>
-            </a:r>
-            <a:r>
-              <a:rPr lang="en-US" altLang="ko-KR" sz="1600" i="1" dirty="0">
-                <a:solidFill>
-                  <a:sysClr val="windowText" lastClr="000000"/>
-                </a:solidFill>
-              </a:rPr>
-              <a:t> n2)</a:t>
-            </a:r>
-            <a:endParaRPr lang="ko-KR" altLang="en-US" sz="1600" i="1" dirty="0">
-              <a:solidFill>
-                <a:sysClr val="windowText" lastClr="000000"/>
-              </a:solidFill>
-            </a:endParaRPr>
-          </a:p>
-          <a:p>
-            <a:pPr algn="ctr"/>
-            <a:endParaRPr lang="ko-KR" altLang="en-US" sz="1600" i="1" dirty="0">
-              <a:solidFill>
-                <a:sysClr val="windowText" lastClr="000000"/>
-              </a:solidFill>
-            </a:endParaRPr>
-          </a:p>
-        </p:txBody>
-      </p:sp>
-      <p:sp>
-        <p:nvSpPr>
-          <p:cNvPr id="34" name="직사각형 33"/>
-          <p:cNvSpPr/>
-          <p:nvPr/>
-        </p:nvSpPr>
-        <p:spPr>
-          <a:xfrm>
-            <a:off x="6249144" y="2826420"/>
-            <a:ext cx="1800200" cy="754441"/>
-          </a:xfrm>
-          <a:prstGeom prst="rect">
-            <a:avLst/>
-          </a:prstGeom>
-          <a:noFill/>
-          <a:ln w="12700"/>
-        </p:spPr>
-        <p:style>
-          <a:lnRef idx="2">
-            <a:schemeClr val="accent1">
-              <a:shade val="50000"/>
-            </a:schemeClr>
-          </a:lnRef>
-          <a:fillRef idx="1">
-            <a:schemeClr val="accent1"/>
-          </a:fillRef>
-          <a:effectRef idx="0">
-            <a:schemeClr val="accent1"/>
-          </a:effectRef>
-          <a:fontRef idx="minor">
-            <a:schemeClr val="lt1"/>
-          </a:fontRef>
-        </p:style>
-        <p:txBody>
-          <a:bodyPr rtlCol="0" anchor="ctr"/>
-          <a:lstStyle/>
-          <a:p>
-            <a:pPr algn="ctr"/>
-            <a:r>
-              <a:rPr lang="en-US" altLang="ko-KR" dirty="0" err="1" smtClean="0">
-                <a:solidFill>
-                  <a:sysClr val="windowText" lastClr="000000"/>
-                </a:solidFill>
-              </a:rPr>
-              <a:t>MyCalculator</a:t>
-            </a:r>
-            <a:endParaRPr lang="en-US" altLang="ko-KR" dirty="0" smtClean="0">
-              <a:solidFill>
-                <a:sysClr val="windowText" lastClr="000000"/>
-              </a:solidFill>
-            </a:endParaRPr>
-          </a:p>
-        </p:txBody>
-      </p:sp>
-    </p:spTree>
-    <p:extLst>
-      <p:ext uri="{BB962C8B-B14F-4D97-AF65-F5344CB8AC3E}">
-        <p14:creationId xmlns:p14="http://schemas.microsoft.com/office/powerpoint/2010/main" val="209207874"/>
-      </p:ext>
-    </p:extLst>
-  </p:cSld>
-  <p:clrMapOvr>
-    <a:masterClrMapping/>
-  </p:clrMapOvr>
-  <p:timing>
-    <p:tnLst>
-      <p:par>
-        <p:cTn id="1" dur="indefinite" restart="never" nodeType="tmRoot"/>
-      </p:par>
-    </p:tnLst>
-  </p:timing>
-</p:sld>
-</file>
-
-<file path=ppt/slides/slide40.xml><?xml version="1.0" encoding="utf-8"?>
-<p:sld xmlns:a="http://schemas.openxmlformats.org/drawingml/2006/main" xmlns:r="http://schemas.openxmlformats.org/officeDocument/2006/relationships" xmlns:p="http://schemas.openxmlformats.org/presentationml/2006/main">
-  <p:cSld>
-    <p:spTree>
-      <p:nvGrpSpPr>
-        <p:cNvPr id="1" name=""/>
-        <p:cNvGrpSpPr/>
-        <p:nvPr/>
-      </p:nvGrpSpPr>
-      <p:grpSpPr>
-        <a:xfrm>
-          <a:off x="0" y="0"/>
-          <a:ext cx="0" cy="0"/>
-          <a:chOff x="0" y="0"/>
-          <a:chExt cx="0" cy="0"/>
-        </a:xfrm>
-      </p:grpSpPr>
-      <p:sp>
-        <p:nvSpPr>
-          <p:cNvPr id="6" name="제목 5"/>
-          <p:cNvSpPr>
-            <a:spLocks noGrp="1"/>
-          </p:cNvSpPr>
-          <p:nvPr>
-            <p:ph type="title"/>
-          </p:nvPr>
-        </p:nvSpPr>
-        <p:spPr/>
-        <p:txBody>
-          <a:bodyPr/>
-          <a:lstStyle/>
-          <a:p>
-            <a:r>
-              <a:rPr lang="en-US" altLang="ko-KR" dirty="0" smtClean="0"/>
-              <a:t> </a:t>
-            </a:r>
-            <a:r>
-              <a:rPr lang="ko-KR" altLang="en-US" dirty="0" smtClean="0"/>
-              <a:t>인터페이스 활용</a:t>
-            </a:r>
-            <a:endParaRPr lang="ko-KR" altLang="en-US" dirty="0"/>
-          </a:p>
-        </p:txBody>
-      </p:sp>
-      <p:sp>
-        <p:nvSpPr>
-          <p:cNvPr id="5" name="슬라이드 번호 개체 틀 4"/>
-          <p:cNvSpPr>
-            <a:spLocks noGrp="1"/>
-          </p:cNvSpPr>
-          <p:nvPr>
-            <p:ph type="sldNum" sz="quarter" idx="12"/>
-          </p:nvPr>
-        </p:nvSpPr>
-        <p:spPr>
-          <a:xfrm>
-            <a:off x="8853433" y="7312347"/>
-            <a:ext cx="557267" cy="365125"/>
-          </a:xfrm>
-        </p:spPr>
-        <p:txBody>
-          <a:bodyPr/>
-          <a:lstStyle/>
-          <a:p>
-            <a:fld id="{1BDE3FE7-3AEA-4B05-AC5A-802D1816ACF0}" type="slidenum">
-              <a:rPr lang="ko-KR" altLang="en-US" smtClean="0"/>
-              <a:t>40</a:t>
+              <a:t>42</a:t>
             </a:fld>
             <a:endParaRPr lang="ko-KR" altLang="en-US"/>
           </a:p>
@@ -25259,7 +25724,7 @@
 </p:sld>
 </file>
 
-<file path=ppt/slides/slide41.xml><?xml version="1.0" encoding="utf-8"?>
+<file path=ppt/slides/slide43.xml><?xml version="1.0" encoding="utf-8"?>
 <p:sld xmlns:a="http://schemas.openxmlformats.org/drawingml/2006/main" xmlns:r="http://schemas.openxmlformats.org/officeDocument/2006/relationships" xmlns:p="http://schemas.openxmlformats.org/presentationml/2006/main">
   <p:cSld>
     <p:spTree>
@@ -25325,7 +25790,7 @@
           <a:p>
             <a:fld id="{1BDE3FE7-3AEA-4B05-AC5A-802D1816ACF0}" type="slidenum">
               <a:rPr lang="ko-KR" altLang="en-US" smtClean="0"/>
-              <a:t>41</a:t>
+              <a:t>43</a:t>
             </a:fld>
             <a:endParaRPr lang="ko-KR" altLang="en-US"/>
           </a:p>
@@ -25339,7 +25804,7 @@
         </p:nvSpPr>
         <p:spPr>
           <a:xfrm>
-            <a:off x="1424608" y="1124744"/>
+            <a:off x="1424608" y="1340768"/>
             <a:ext cx="1512168" cy="338554"/>
           </a:xfrm>
           <a:prstGeom prst="rect">
@@ -25367,7 +25832,7 @@
       </p:sp>
       <p:pic>
         <p:nvPicPr>
-          <p:cNvPr id="3" name="그림 2"/>
+          <p:cNvPr id="2" name="그림 1"/>
           <p:cNvPicPr>
             <a:picLocks noChangeAspect="1"/>
           </p:cNvPicPr>
@@ -25387,8 +25852,8 @@
         </p:blipFill>
         <p:spPr>
           <a:xfrm>
-            <a:off x="1856656" y="1497496"/>
-            <a:ext cx="4728510" cy="4544812"/>
+            <a:off x="1496616" y="1916832"/>
+            <a:ext cx="5570703" cy="2956816"/>
           </a:xfrm>
           <a:prstGeom prst="rect">
             <a:avLst/>
@@ -25422,7 +25887,7 @@
 </p:sld>
 </file>
 
-<file path=ppt/slides/slide42.xml><?xml version="1.0" encoding="utf-8"?>
+<file path=ppt/slides/slide44.xml><?xml version="1.0" encoding="utf-8"?>
 <p:sld xmlns:a="http://schemas.openxmlformats.org/drawingml/2006/main" xmlns:r="http://schemas.openxmlformats.org/officeDocument/2006/relationships" xmlns:p="http://schemas.openxmlformats.org/presentationml/2006/main">
   <p:cSld>
     <p:spTree>
@@ -25525,7 +25990,7 @@
           <a:p>
             <a:fld id="{1BDE3FE7-3AEA-4B05-AC5A-802D1816ACF0}" type="slidenum">
               <a:rPr lang="ko-KR" altLang="en-US" smtClean="0"/>
-              <a:t>42</a:t>
+              <a:t>44</a:t>
             </a:fld>
             <a:endParaRPr lang="ko-KR" altLang="en-US"/>
           </a:p>
@@ -25942,7 +26407,7 @@
 </p:sld>
 </file>
 
-<file path=ppt/slides/slide43.xml><?xml version="1.0" encoding="utf-8"?>
+<file path=ppt/slides/slide45.xml><?xml version="1.0" encoding="utf-8"?>
 <p:sld xmlns:a="http://schemas.openxmlformats.org/drawingml/2006/main" xmlns:r="http://schemas.openxmlformats.org/officeDocument/2006/relationships" xmlns:p="http://schemas.openxmlformats.org/presentationml/2006/main">
   <p:cSld>
     <p:spTree>
@@ -26008,7 +26473,7 @@
           <a:p>
             <a:fld id="{1BDE3FE7-3AEA-4B05-AC5A-802D1816ACF0}" type="slidenum">
               <a:rPr lang="ko-KR" altLang="en-US" smtClean="0"/>
-              <a:t>43</a:t>
+              <a:t>45</a:t>
             </a:fld>
             <a:endParaRPr lang="ko-KR" altLang="en-US"/>
           </a:p>
@@ -26242,7 +26707,7 @@
         <p:spPr>
           <a:xfrm>
             <a:off x="1352600" y="1844824"/>
-            <a:ext cx="5618711" cy="2880320"/>
+            <a:ext cx="6180582" cy="3168352"/>
           </a:xfrm>
           <a:prstGeom prst="rect">
             <a:avLst/>
@@ -26631,8 +27096,8 @@
         </p:blipFill>
         <p:spPr>
           <a:xfrm>
-            <a:off x="1539776" y="1901871"/>
-            <a:ext cx="5976664" cy="2808312"/>
+            <a:off x="1298258" y="1916832"/>
+            <a:ext cx="6927991" cy="3255321"/>
           </a:xfrm>
           <a:prstGeom prst="rect">
             <a:avLst/>
@@ -26669,7 +27134,7 @@
         </p:blipFill>
         <p:spPr>
           <a:xfrm>
-            <a:off x="7780147" y="3834946"/>
+            <a:off x="7185248" y="4901020"/>
             <a:ext cx="731583" cy="845893"/>
           </a:xfrm>
           <a:prstGeom prst="rect">
@@ -26838,7 +27303,7 @@
         <p:spPr>
           <a:xfrm>
             <a:off x="1611536" y="1988840"/>
-            <a:ext cx="5388930" cy="2736304"/>
+            <a:ext cx="6098000" cy="3096344"/>
           </a:xfrm>
           <a:prstGeom prst="rect">
             <a:avLst/>
